--- a/presentation.pptx
+++ b/presentation.pptx
@@ -5,13 +5,20 @@
     <p:sldMasterId id="2147483696" r:id="rId1"/>
   </p:sldMasterIdLst>
   <p:notesMasterIdLst>
-    <p:notesMasterId r:id="rId6"/>
+    <p:notesMasterId r:id="rId13"/>
   </p:notesMasterIdLst>
   <p:sldIdLst>
     <p:sldId id="338" r:id="rId2"/>
-    <p:sldId id="394" r:id="rId3"/>
-    <p:sldId id="392" r:id="rId4"/>
-    <p:sldId id="393" r:id="rId5"/>
+    <p:sldId id="397" r:id="rId3"/>
+    <p:sldId id="398" r:id="rId4"/>
+    <p:sldId id="399" r:id="rId5"/>
+    <p:sldId id="400" r:id="rId6"/>
+    <p:sldId id="401" r:id="rId7"/>
+    <p:sldId id="402" r:id="rId8"/>
+    <p:sldId id="403" r:id="rId9"/>
+    <p:sldId id="396" r:id="rId10"/>
+    <p:sldId id="395" r:id="rId11"/>
+    <p:sldId id="393" r:id="rId12"/>
   </p:sldIdLst>
   <p:sldSz cx="12192000" cy="6858000"/>
   <p:notesSz cx="6858000" cy="9144000"/>
@@ -527,7 +534,110 @@
           <a:bodyPr/>
           <a:lstStyle/>
           <a:p>
-            <a:endParaRPr lang="en-RU"/>
+            <a:pPr marL="0" marR="0" lvl="0" indent="0" algn="l" defTabSz="914400" rtl="0" eaLnBrk="1" fontAlgn="auto" latinLnBrk="0" hangingPunct="1">
+              <a:lnSpc>
+                <a:spcPct val="100000"/>
+              </a:lnSpc>
+              <a:spcBef>
+                <a:spcPts val="0"/>
+              </a:spcBef>
+              <a:spcAft>
+                <a:spcPts val="0"/>
+              </a:spcAft>
+              <a:buClrTx/>
+              <a:buSzTx/>
+              <a:buFontTx/>
+              <a:buNone/>
+              <a:tabLst/>
+              <a:defRPr/>
+            </a:pPr>
+            <a:r>
+              <a:rPr lang="ru-RU" sz="1200" b="0" i="0" kern="1200" dirty="0">
+                <a:solidFill>
+                  <a:schemeClr val="tx1"/>
+                </a:solidFill>
+                <a:effectLst/>
+                <a:latin typeface="+mn-lt"/>
+                <a:ea typeface="+mn-ea"/>
+                <a:cs typeface="+mn-cs"/>
+              </a:rPr>
+              <a:t>У эрмитовой матрицы все </a:t>
+            </a:r>
+            <a:r>
+              <a:rPr lang="ru-RU" sz="1200" b="0" i="0" u="none" strike="noStrike" kern="1200" dirty="0">
+                <a:solidFill>
+                  <a:schemeClr val="tx1"/>
+                </a:solidFill>
+                <a:effectLst/>
+                <a:latin typeface="+mn-lt"/>
+                <a:ea typeface="+mn-ea"/>
+                <a:cs typeface="+mn-cs"/>
+                <a:hlinkClick r:id="rId3" tooltip="Собственное число"/>
+              </a:rPr>
+              <a:t>собственные значения</a:t>
+            </a:r>
+            <a:r>
+              <a:rPr lang="ru-RU" sz="1200" b="0" i="0" kern="1200" dirty="0">
+                <a:solidFill>
+                  <a:schemeClr val="tx1"/>
+                </a:solidFill>
+                <a:effectLst/>
+                <a:latin typeface="+mn-lt"/>
+                <a:ea typeface="+mn-ea"/>
+                <a:cs typeface="+mn-cs"/>
+              </a:rPr>
+              <a:t> вещественны, а </a:t>
+            </a:r>
+            <a:r>
+              <a:rPr lang="ru-RU" sz="1200" b="0" i="0" u="none" strike="noStrike" kern="1200" dirty="0">
+                <a:solidFill>
+                  <a:schemeClr val="tx1"/>
+                </a:solidFill>
+                <a:effectLst/>
+                <a:latin typeface="+mn-lt"/>
+                <a:ea typeface="+mn-ea"/>
+                <a:cs typeface="+mn-cs"/>
+                <a:hlinkClick r:id="rId4" tooltip="Собственный вектор"/>
+              </a:rPr>
+              <a:t>собственные векторы</a:t>
+            </a:r>
+            <a:r>
+              <a:rPr lang="ru-RU" sz="1200" b="0" i="0" kern="1200" dirty="0">
+                <a:solidFill>
+                  <a:schemeClr val="tx1"/>
+                </a:solidFill>
+                <a:effectLst/>
+                <a:latin typeface="+mn-lt"/>
+                <a:ea typeface="+mn-ea"/>
+                <a:cs typeface="+mn-cs"/>
+              </a:rPr>
+              <a:t> могут быть собраны в </a:t>
+            </a:r>
+            <a:r>
+              <a:rPr lang="ru-RU" sz="1200" b="0" i="0" u="none" strike="noStrike" kern="1200" dirty="0">
+                <a:solidFill>
+                  <a:schemeClr val="tx1"/>
+                </a:solidFill>
+                <a:effectLst/>
+                <a:latin typeface="+mn-lt"/>
+                <a:ea typeface="+mn-ea"/>
+                <a:cs typeface="+mn-cs"/>
+                <a:hlinkClick r:id="rId5" tooltip="Ортонормированная система"/>
+              </a:rPr>
+              <a:t>ортонормированную систему</a:t>
+            </a:r>
+            <a:r>
+              <a:rPr lang="ru-RU" sz="1200" b="0" i="0" kern="1200" dirty="0">
+                <a:solidFill>
+                  <a:schemeClr val="tx1"/>
+                </a:solidFill>
+                <a:effectLst/>
+                <a:latin typeface="+mn-lt"/>
+                <a:ea typeface="+mn-ea"/>
+                <a:cs typeface="+mn-cs"/>
+              </a:rPr>
+              <a:t>.</a:t>
+            </a:r>
           </a:p>
         </p:txBody>
       </p:sp>
@@ -557,7 +667,7 @@
     </p:spTree>
     <p:extLst>
       <p:ext uri="{BB962C8B-B14F-4D97-AF65-F5344CB8AC3E}">
-        <p14:creationId xmlns:p14="http://schemas.microsoft.com/office/powerpoint/2010/main" val="1393236662"/>
+        <p14:creationId xmlns:p14="http://schemas.microsoft.com/office/powerpoint/2010/main" val="1899861093"/>
       </p:ext>
     </p:extLst>
   </p:cSld>
@@ -611,7 +721,351 @@
           <a:bodyPr/>
           <a:lstStyle/>
           <a:p>
-            <a:endParaRPr lang="en-RU"/>
+            <a:pPr marL="0" marR="0" lvl="0" indent="0" algn="l" defTabSz="914400" rtl="0" eaLnBrk="1" fontAlgn="auto" latinLnBrk="0" hangingPunct="1">
+              <a:lnSpc>
+                <a:spcPct val="100000"/>
+              </a:lnSpc>
+              <a:spcBef>
+                <a:spcPts val="0"/>
+              </a:spcBef>
+              <a:spcAft>
+                <a:spcPts val="0"/>
+              </a:spcAft>
+              <a:buClrTx/>
+              <a:buSzTx/>
+              <a:buFontTx/>
+              <a:buNone/>
+              <a:tabLst/>
+              <a:defRPr/>
+            </a:pPr>
+            <a:r>
+              <a:rPr lang="en-US" sz="1200" b="0" i="0" kern="1200" dirty="0">
+                <a:solidFill>
+                  <a:schemeClr val="tx1"/>
+                </a:solidFill>
+                <a:effectLst/>
+                <a:latin typeface="+mn-lt"/>
+                <a:ea typeface="+mn-ea"/>
+                <a:cs typeface="+mn-cs"/>
+              </a:rPr>
+              <a:t>T1 </a:t>
+            </a:r>
+            <a:r>
+              <a:rPr lang="ru-RU" sz="1200" b="0" i="0" kern="1200" dirty="0">
+                <a:solidFill>
+                  <a:schemeClr val="tx1"/>
+                </a:solidFill>
+                <a:effectLst/>
+                <a:latin typeface="+mn-lt"/>
+                <a:ea typeface="+mn-ea"/>
+                <a:cs typeface="+mn-cs"/>
+              </a:rPr>
+              <a:t>и </a:t>
+            </a:r>
+            <a:r>
+              <a:rPr lang="en-US" sz="1200" b="0" i="0" kern="1200" dirty="0">
+                <a:solidFill>
+                  <a:schemeClr val="tx1"/>
+                </a:solidFill>
+                <a:effectLst/>
+                <a:latin typeface="+mn-lt"/>
+                <a:ea typeface="+mn-ea"/>
+                <a:cs typeface="+mn-cs"/>
+              </a:rPr>
+              <a:t>T2 – </a:t>
+            </a:r>
+            <a:r>
+              <a:rPr lang="ru-RU" sz="1200" b="0" i="0" kern="1200" dirty="0">
+                <a:solidFill>
+                  <a:schemeClr val="tx1"/>
+                </a:solidFill>
+                <a:effectLst/>
+                <a:latin typeface="+mn-lt"/>
+                <a:ea typeface="+mn-ea"/>
+                <a:cs typeface="+mn-cs"/>
+              </a:rPr>
+              <a:t>очевидно</a:t>
+            </a:r>
+            <a:r>
+              <a:rPr lang="en-US" sz="1200" b="0" i="0" kern="1200" dirty="0">
+                <a:solidFill>
+                  <a:schemeClr val="tx1"/>
+                </a:solidFill>
+                <a:effectLst/>
+                <a:latin typeface="+mn-lt"/>
+                <a:ea typeface="+mn-ea"/>
+                <a:cs typeface="+mn-cs"/>
+              </a:rPr>
+              <a:t>, </a:t>
+            </a:r>
+            <a:r>
+              <a:rPr lang="ru-RU" sz="1200" b="0" i="0" kern="1200" dirty="0" err="1">
+                <a:solidFill>
+                  <a:schemeClr val="tx1"/>
+                </a:solidFill>
+                <a:effectLst/>
+                <a:latin typeface="+mn-lt"/>
+                <a:ea typeface="+mn-ea"/>
+                <a:cs typeface="+mn-cs"/>
+              </a:rPr>
+              <a:t>трехдиагональны</a:t>
+            </a:r>
+            <a:r>
+              <a:rPr lang="en-US" sz="1200" b="0" i="0" kern="1200" dirty="0">
+                <a:solidFill>
+                  <a:schemeClr val="tx1"/>
+                </a:solidFill>
+                <a:effectLst/>
+                <a:latin typeface="+mn-lt"/>
+                <a:ea typeface="+mn-ea"/>
+                <a:cs typeface="+mn-cs"/>
+              </a:rPr>
+              <a:t>, </a:t>
+            </a:r>
+            <a:r>
+              <a:rPr lang="ru-RU" sz="1200" b="0" i="0" kern="1200" dirty="0">
+                <a:solidFill>
+                  <a:schemeClr val="tx1"/>
+                </a:solidFill>
+                <a:effectLst/>
+                <a:latin typeface="+mn-lt"/>
+                <a:ea typeface="+mn-ea"/>
+                <a:cs typeface="+mn-cs"/>
+              </a:rPr>
+              <a:t>таким образом к ним может быть применена та же процедура для нахождения спектрального разложения</a:t>
+            </a:r>
+            <a:r>
+              <a:rPr lang="en-US" sz="1200" b="0" i="0" kern="1200" dirty="0">
+                <a:solidFill>
+                  <a:schemeClr val="tx1"/>
+                </a:solidFill>
+                <a:effectLst/>
+                <a:latin typeface="+mn-lt"/>
+                <a:ea typeface="+mn-ea"/>
+                <a:cs typeface="+mn-cs"/>
+              </a:rPr>
+              <a:t>.</a:t>
+            </a:r>
+          </a:p>
+          <a:p>
+            <a:pPr marL="0" marR="0" lvl="0" indent="0" algn="l" defTabSz="914400" rtl="0" eaLnBrk="1" fontAlgn="auto" latinLnBrk="0" hangingPunct="1">
+              <a:lnSpc>
+                <a:spcPct val="100000"/>
+              </a:lnSpc>
+              <a:spcBef>
+                <a:spcPts val="0"/>
+              </a:spcBef>
+              <a:spcAft>
+                <a:spcPts val="0"/>
+              </a:spcAft>
+              <a:buClrTx/>
+              <a:buSzTx/>
+              <a:buFontTx/>
+              <a:buNone/>
+              <a:tabLst/>
+              <a:defRPr/>
+            </a:pPr>
+            <a:r>
+              <a:rPr lang="ru-RU" sz="1200" b="0" i="0" kern="1200" dirty="0">
+                <a:solidFill>
+                  <a:schemeClr val="tx1"/>
+                </a:solidFill>
+                <a:effectLst/>
+                <a:latin typeface="+mn-lt"/>
+                <a:ea typeface="+mn-ea"/>
+                <a:cs typeface="+mn-cs"/>
+              </a:rPr>
+              <a:t>Заметим</a:t>
+            </a:r>
+            <a:r>
+              <a:rPr lang="en-US" sz="1200" b="0" i="0" kern="1200" dirty="0">
+                <a:solidFill>
+                  <a:schemeClr val="tx1"/>
+                </a:solidFill>
+                <a:effectLst/>
+                <a:latin typeface="+mn-lt"/>
+                <a:ea typeface="+mn-ea"/>
+                <a:cs typeface="+mn-cs"/>
+              </a:rPr>
+              <a:t>, </a:t>
+            </a:r>
+            <a:r>
+              <a:rPr lang="ru-RU" sz="1200" b="0" i="0" kern="1200" dirty="0">
+                <a:solidFill>
+                  <a:schemeClr val="tx1"/>
+                </a:solidFill>
+                <a:effectLst/>
+                <a:latin typeface="+mn-lt"/>
+                <a:ea typeface="+mn-ea"/>
+                <a:cs typeface="+mn-cs"/>
+              </a:rPr>
+              <a:t>что вектор </a:t>
+            </a:r>
+            <a:r>
+              <a:rPr lang="en-US" sz="1200" b="0" i="0" kern="1200" dirty="0">
+                <a:solidFill>
+                  <a:schemeClr val="tx1"/>
+                </a:solidFill>
+                <a:effectLst/>
+                <a:latin typeface="+mn-lt"/>
+                <a:ea typeface="+mn-ea"/>
+                <a:cs typeface="+mn-cs"/>
+              </a:rPr>
+              <a:t>v – </a:t>
+            </a:r>
+            <a:r>
+              <a:rPr lang="ru-RU" sz="1200" b="0" i="0" kern="1200" dirty="0">
+                <a:solidFill>
+                  <a:schemeClr val="tx1"/>
+                </a:solidFill>
+                <a:effectLst/>
+                <a:latin typeface="+mn-lt"/>
+                <a:ea typeface="+mn-ea"/>
+                <a:cs typeface="+mn-cs"/>
+              </a:rPr>
+              <a:t>всегда состоит из двух единиц и </a:t>
+            </a:r>
+            <a:r>
+              <a:rPr lang="en-US" sz="1200" b="0" i="0" kern="1200" dirty="0">
+                <a:solidFill>
+                  <a:schemeClr val="tx1"/>
+                </a:solidFill>
+                <a:effectLst/>
+                <a:latin typeface="+mn-lt"/>
+                <a:ea typeface="+mn-ea"/>
+                <a:cs typeface="+mn-cs"/>
+              </a:rPr>
+              <a:t>n – 2 </a:t>
+            </a:r>
+            <a:r>
+              <a:rPr lang="ru-RU" sz="1200" b="0" i="0" kern="1200" dirty="0">
+                <a:solidFill>
+                  <a:schemeClr val="tx1"/>
+                </a:solidFill>
+                <a:effectLst/>
+                <a:latin typeface="+mn-lt"/>
+                <a:ea typeface="+mn-ea"/>
+                <a:cs typeface="+mn-cs"/>
+              </a:rPr>
+              <a:t>нулей</a:t>
+            </a:r>
+            <a:r>
+              <a:rPr lang="en-US" sz="1200" b="0" i="0" kern="1200" dirty="0">
+                <a:solidFill>
+                  <a:schemeClr val="tx1"/>
+                </a:solidFill>
+                <a:effectLst/>
+                <a:latin typeface="+mn-lt"/>
+                <a:ea typeface="+mn-ea"/>
+                <a:cs typeface="+mn-cs"/>
+              </a:rPr>
+              <a:t>, </a:t>
+            </a:r>
+            <a:r>
+              <a:rPr lang="ru-RU" sz="1200" b="0" i="0" kern="1200" dirty="0">
+                <a:solidFill>
+                  <a:schemeClr val="tx1"/>
+                </a:solidFill>
+                <a:effectLst/>
+                <a:latin typeface="+mn-lt"/>
+                <a:ea typeface="+mn-ea"/>
+                <a:cs typeface="+mn-cs"/>
+              </a:rPr>
+              <a:t>таким образом</a:t>
+            </a:r>
+            <a:r>
+              <a:rPr lang="en-US" sz="1200" b="0" i="0" kern="1200" dirty="0">
+                <a:solidFill>
+                  <a:schemeClr val="tx1"/>
+                </a:solidFill>
+                <a:effectLst/>
+                <a:latin typeface="+mn-lt"/>
+                <a:ea typeface="+mn-ea"/>
+                <a:cs typeface="+mn-cs"/>
+              </a:rPr>
+              <a:t>, </a:t>
+            </a:r>
+            <a:r>
+              <a:rPr lang="ru-RU" sz="1200" b="0" i="0" kern="1200" dirty="0">
+                <a:solidFill>
+                  <a:schemeClr val="tx1"/>
+                </a:solidFill>
+                <a:effectLst/>
+                <a:latin typeface="+mn-lt"/>
+                <a:ea typeface="+mn-ea"/>
+                <a:cs typeface="+mn-cs"/>
+              </a:rPr>
+              <a:t>ранг матрицы </a:t>
+            </a:r>
+            <a:r>
+              <a:rPr lang="en-US" sz="1200" b="0" i="0" kern="1200" dirty="0">
+                <a:solidFill>
+                  <a:schemeClr val="tx1"/>
+                </a:solidFill>
+                <a:effectLst/>
+                <a:latin typeface="+mn-lt"/>
+                <a:ea typeface="+mn-ea"/>
+                <a:cs typeface="+mn-cs"/>
+              </a:rPr>
+              <a:t>v * </a:t>
+            </a:r>
+            <a:r>
+              <a:rPr lang="en-US" sz="1200" b="0" i="0" kern="1200" dirty="0" err="1">
+                <a:solidFill>
+                  <a:schemeClr val="tx1"/>
+                </a:solidFill>
+                <a:effectLst/>
+                <a:latin typeface="+mn-lt"/>
+                <a:ea typeface="+mn-ea"/>
+                <a:cs typeface="+mn-cs"/>
+              </a:rPr>
+              <a:t>v^T</a:t>
+            </a:r>
+            <a:r>
+              <a:rPr lang="en-US" sz="1200" b="0" i="0" kern="1200" dirty="0">
+                <a:solidFill>
+                  <a:schemeClr val="tx1"/>
+                </a:solidFill>
+                <a:effectLst/>
+                <a:latin typeface="+mn-lt"/>
+                <a:ea typeface="+mn-ea"/>
+                <a:cs typeface="+mn-cs"/>
+              </a:rPr>
+              <a:t> – </a:t>
+            </a:r>
+            <a:r>
+              <a:rPr lang="ru-RU" sz="1200" b="0" i="0" kern="1200" dirty="0">
+                <a:solidFill>
+                  <a:schemeClr val="tx1"/>
+                </a:solidFill>
+                <a:effectLst/>
+                <a:latin typeface="+mn-lt"/>
+                <a:ea typeface="+mn-ea"/>
+                <a:cs typeface="+mn-cs"/>
+              </a:rPr>
+              <a:t>единица</a:t>
+            </a:r>
+            <a:r>
+              <a:rPr lang="en-US" sz="1200" b="0" i="0" kern="1200" dirty="0">
+                <a:solidFill>
+                  <a:schemeClr val="tx1"/>
+                </a:solidFill>
+                <a:effectLst/>
+                <a:latin typeface="+mn-lt"/>
+                <a:ea typeface="+mn-ea"/>
+                <a:cs typeface="+mn-cs"/>
+              </a:rPr>
+              <a:t>.</a:t>
+            </a:r>
+            <a:endParaRPr lang="ru-RU" sz="1200" b="0" i="0" kern="1200" dirty="0">
+              <a:solidFill>
+                <a:schemeClr val="tx1"/>
+              </a:solidFill>
+              <a:effectLst/>
+              <a:latin typeface="+mn-lt"/>
+              <a:ea typeface="+mn-ea"/>
+              <a:cs typeface="+mn-cs"/>
+            </a:endParaRPr>
           </a:p>
         </p:txBody>
       </p:sp>
@@ -641,7 +1095,864 @@
     </p:spTree>
     <p:extLst>
       <p:ext uri="{BB962C8B-B14F-4D97-AF65-F5344CB8AC3E}">
-        <p14:creationId xmlns:p14="http://schemas.microsoft.com/office/powerpoint/2010/main" val="4125392531"/>
+        <p14:creationId xmlns:p14="http://schemas.microsoft.com/office/powerpoint/2010/main" val="2432786421"/>
+      </p:ext>
+    </p:extLst>
+  </p:cSld>
+  <p:clrMapOvr>
+    <a:masterClrMapping/>
+  </p:clrMapOvr>
+</p:notes>
+</file>
+
+<file path=ppt/notesSlides/notesSlide3.xml><?xml version="1.0" encoding="utf-8"?>
+<p:notes xmlns:a="http://schemas.openxmlformats.org/drawingml/2006/main" xmlns:r="http://schemas.openxmlformats.org/officeDocument/2006/relationships" xmlns:p="http://schemas.openxmlformats.org/presentationml/2006/main">
+  <p:cSld>
+    <p:spTree>
+      <p:nvGrpSpPr>
+        <p:cNvPr id="1" name=""/>
+        <p:cNvGrpSpPr/>
+        <p:nvPr/>
+      </p:nvGrpSpPr>
+      <p:grpSpPr>
+        <a:xfrm>
+          <a:off x="0" y="0"/>
+          <a:ext cx="0" cy="0"/>
+          <a:chOff x="0" y="0"/>
+          <a:chExt cx="0" cy="0"/>
+        </a:xfrm>
+      </p:grpSpPr>
+      <p:sp>
+        <p:nvSpPr>
+          <p:cNvPr id="2" name="Slide Image Placeholder 1"/>
+          <p:cNvSpPr>
+            <a:spLocks noGrp="1" noRot="1" noChangeAspect="1"/>
+          </p:cNvSpPr>
+          <p:nvPr>
+            <p:ph type="sldImg"/>
+          </p:nvPr>
+        </p:nvSpPr>
+        <p:spPr/>
+      </p:sp>
+      <p:sp>
+        <p:nvSpPr>
+          <p:cNvPr id="3" name="Notes Placeholder 2"/>
+          <p:cNvSpPr>
+            <a:spLocks noGrp="1"/>
+          </p:cNvSpPr>
+          <p:nvPr>
+            <p:ph type="body" idx="1"/>
+          </p:nvPr>
+        </p:nvSpPr>
+        <p:spPr/>
+        <p:txBody>
+          <a:bodyPr/>
+          <a:lstStyle/>
+          <a:p>
+            <a:pPr marL="0" marR="0" lvl="0" indent="0" algn="l" defTabSz="914400" rtl="0" eaLnBrk="1" fontAlgn="auto" latinLnBrk="0" hangingPunct="1">
+              <a:lnSpc>
+                <a:spcPct val="100000"/>
+              </a:lnSpc>
+              <a:spcBef>
+                <a:spcPts val="0"/>
+              </a:spcBef>
+              <a:spcAft>
+                <a:spcPts val="0"/>
+              </a:spcAft>
+              <a:buClrTx/>
+              <a:buSzTx/>
+              <a:buFontTx/>
+              <a:buNone/>
+              <a:tabLst/>
+              <a:defRPr/>
+            </a:pPr>
+            <a:r>
+              <a:rPr lang="ru-RU" sz="1200" b="0" i="0" kern="1200" dirty="0">
+                <a:solidFill>
+                  <a:schemeClr val="tx1"/>
+                </a:solidFill>
+                <a:effectLst/>
+                <a:latin typeface="+mn-lt"/>
+                <a:ea typeface="+mn-ea"/>
+                <a:cs typeface="+mn-cs"/>
+              </a:rPr>
+              <a:t>матрица </a:t>
+            </a:r>
+            <a:r>
+              <a:rPr lang="en-US" sz="1200" b="0" i="0" kern="1200" dirty="0" err="1">
+                <a:solidFill>
+                  <a:schemeClr val="tx1"/>
+                </a:solidFill>
+                <a:effectLst/>
+                <a:latin typeface="+mn-lt"/>
+                <a:ea typeface="+mn-ea"/>
+                <a:cs typeface="+mn-cs"/>
+              </a:rPr>
+              <a:t>Ql</a:t>
+            </a:r>
+            <a:r>
+              <a:rPr lang="en-US" sz="1200" b="0" i="0" kern="1200" dirty="0">
+                <a:solidFill>
+                  <a:schemeClr val="tx1"/>
+                </a:solidFill>
+                <a:effectLst/>
+                <a:latin typeface="+mn-lt"/>
+                <a:ea typeface="+mn-ea"/>
+                <a:cs typeface="+mn-cs"/>
+              </a:rPr>
+              <a:t> = </a:t>
+            </a:r>
+            <a:r>
+              <a:rPr lang="en-US" sz="1200" b="0" i="0" kern="1200" dirty="0" err="1">
+                <a:solidFill>
+                  <a:schemeClr val="tx1"/>
+                </a:solidFill>
+                <a:effectLst/>
+                <a:latin typeface="+mn-lt"/>
+                <a:ea typeface="+mn-ea"/>
+                <a:cs typeface="+mn-cs"/>
+              </a:rPr>
+              <a:t>diag</a:t>
+            </a:r>
+            <a:r>
+              <a:rPr lang="en-US" sz="1200" b="0" i="0" kern="1200" dirty="0">
+                <a:solidFill>
+                  <a:schemeClr val="tx1"/>
+                </a:solidFill>
+                <a:effectLst/>
+                <a:latin typeface="+mn-lt"/>
+                <a:ea typeface="+mn-ea"/>
+                <a:cs typeface="+mn-cs"/>
+              </a:rPr>
+              <a:t>(Q1, Q2) – </a:t>
+            </a:r>
+            <a:r>
+              <a:rPr lang="ru-RU" sz="1200" b="0" i="0" kern="1200" dirty="0">
+                <a:solidFill>
+                  <a:schemeClr val="tx1"/>
+                </a:solidFill>
+                <a:effectLst/>
+                <a:latin typeface="+mn-lt"/>
+                <a:ea typeface="+mn-ea"/>
+                <a:cs typeface="+mn-cs"/>
+              </a:rPr>
+              <a:t>ортогональна</a:t>
+            </a:r>
+            <a:r>
+              <a:rPr lang="en-US" sz="1200" b="0" i="0" kern="1200" dirty="0">
+                <a:solidFill>
+                  <a:schemeClr val="tx1"/>
+                </a:solidFill>
+                <a:effectLst/>
+                <a:latin typeface="+mn-lt"/>
+                <a:ea typeface="+mn-ea"/>
+                <a:cs typeface="+mn-cs"/>
+              </a:rPr>
+              <a:t>, </a:t>
+            </a:r>
+            <a:r>
+              <a:rPr lang="ru-RU" sz="1200" b="0" i="0" kern="1200" dirty="0">
+                <a:solidFill>
+                  <a:schemeClr val="tx1"/>
+                </a:solidFill>
+                <a:effectLst/>
+                <a:latin typeface="+mn-lt"/>
+                <a:ea typeface="+mn-ea"/>
+                <a:cs typeface="+mn-cs"/>
+              </a:rPr>
+              <a:t>поэтому </a:t>
+            </a:r>
+            <a:r>
+              <a:rPr lang="en-US" sz="1200" b="0" i="0" kern="1200" dirty="0" err="1">
+                <a:solidFill>
+                  <a:schemeClr val="tx1"/>
+                </a:solidFill>
+                <a:effectLst/>
+                <a:latin typeface="+mn-lt"/>
+                <a:ea typeface="+mn-ea"/>
+                <a:cs typeface="+mn-cs"/>
+              </a:rPr>
+              <a:t>Ql</a:t>
+            </a:r>
+            <a:r>
+              <a:rPr lang="en-US" sz="1200" b="0" i="0" kern="1200" dirty="0">
+                <a:solidFill>
+                  <a:schemeClr val="tx1"/>
+                </a:solidFill>
+                <a:effectLst/>
+                <a:latin typeface="+mn-lt"/>
+                <a:ea typeface="+mn-ea"/>
+                <a:cs typeface="+mn-cs"/>
+              </a:rPr>
+              <a:t> * </a:t>
+            </a:r>
+            <a:r>
+              <a:rPr lang="en-US" sz="1200" b="0" i="0" kern="1200" dirty="0" err="1">
+                <a:solidFill>
+                  <a:schemeClr val="tx1"/>
+                </a:solidFill>
+                <a:effectLst/>
+                <a:latin typeface="+mn-lt"/>
+                <a:ea typeface="+mn-ea"/>
+                <a:cs typeface="+mn-cs"/>
+              </a:rPr>
+              <a:t>Ql^T</a:t>
+            </a:r>
+            <a:r>
+              <a:rPr lang="en-US" sz="1200" b="0" i="0" kern="1200" dirty="0">
+                <a:solidFill>
+                  <a:schemeClr val="tx1"/>
+                </a:solidFill>
+                <a:effectLst/>
+                <a:latin typeface="+mn-lt"/>
+                <a:ea typeface="+mn-ea"/>
+                <a:cs typeface="+mn-cs"/>
+              </a:rPr>
+              <a:t> = E</a:t>
+            </a:r>
+            <a:endParaRPr lang="ru-RU" sz="1200" b="0" i="0" kern="1200" dirty="0">
+              <a:solidFill>
+                <a:schemeClr val="tx1"/>
+              </a:solidFill>
+              <a:effectLst/>
+              <a:latin typeface="+mn-lt"/>
+              <a:ea typeface="+mn-ea"/>
+              <a:cs typeface="+mn-cs"/>
+            </a:endParaRPr>
+          </a:p>
+        </p:txBody>
+      </p:sp>
+      <p:sp>
+        <p:nvSpPr>
+          <p:cNvPr id="4" name="Slide Number Placeholder 3"/>
+          <p:cNvSpPr>
+            <a:spLocks noGrp="1"/>
+          </p:cNvSpPr>
+          <p:nvPr>
+            <p:ph type="sldNum" sz="quarter" idx="5"/>
+          </p:nvPr>
+        </p:nvSpPr>
+        <p:spPr/>
+        <p:txBody>
+          <a:bodyPr/>
+          <a:lstStyle/>
+          <a:p>
+            <a:fld id="{45EAD37F-4CAA-4C4E-B967-8FF85B62072E}" type="slidenum">
+              <a:rPr lang="en-RU" smtClean="0"/>
+              <a:t>4</a:t>
+            </a:fld>
+            <a:endParaRPr lang="en-RU"/>
+          </a:p>
+        </p:txBody>
+      </p:sp>
+    </p:spTree>
+    <p:extLst>
+      <p:ext uri="{BB962C8B-B14F-4D97-AF65-F5344CB8AC3E}">
+        <p14:creationId xmlns:p14="http://schemas.microsoft.com/office/powerpoint/2010/main" val="2783171439"/>
+      </p:ext>
+    </p:extLst>
+  </p:cSld>
+  <p:clrMapOvr>
+    <a:masterClrMapping/>
+  </p:clrMapOvr>
+</p:notes>
+</file>
+
+<file path=ppt/notesSlides/notesSlide4.xml><?xml version="1.0" encoding="utf-8"?>
+<p:notes xmlns:a="http://schemas.openxmlformats.org/drawingml/2006/main" xmlns:r="http://schemas.openxmlformats.org/officeDocument/2006/relationships" xmlns:p="http://schemas.openxmlformats.org/presentationml/2006/main">
+  <p:cSld>
+    <p:spTree>
+      <p:nvGrpSpPr>
+        <p:cNvPr id="1" name=""/>
+        <p:cNvGrpSpPr/>
+        <p:nvPr/>
+      </p:nvGrpSpPr>
+      <p:grpSpPr>
+        <a:xfrm>
+          <a:off x="0" y="0"/>
+          <a:ext cx="0" cy="0"/>
+          <a:chOff x="0" y="0"/>
+          <a:chExt cx="0" cy="0"/>
+        </a:xfrm>
+      </p:grpSpPr>
+      <p:sp>
+        <p:nvSpPr>
+          <p:cNvPr id="2" name="Slide Image Placeholder 1"/>
+          <p:cNvSpPr>
+            <a:spLocks noGrp="1" noRot="1" noChangeAspect="1"/>
+          </p:cNvSpPr>
+          <p:nvPr>
+            <p:ph type="sldImg"/>
+          </p:nvPr>
+        </p:nvSpPr>
+        <p:spPr/>
+      </p:sp>
+      <p:sp>
+        <p:nvSpPr>
+          <p:cNvPr id="3" name="Notes Placeholder 2"/>
+          <p:cNvSpPr>
+            <a:spLocks noGrp="1"/>
+          </p:cNvSpPr>
+          <p:nvPr>
+            <p:ph type="body" idx="1"/>
+          </p:nvPr>
+        </p:nvSpPr>
+        <p:spPr/>
+        <p:txBody>
+          <a:bodyPr/>
+          <a:lstStyle/>
+          <a:p>
+            <a:pPr marL="0" marR="0" lvl="0" indent="0" algn="l" defTabSz="914400" rtl="0" eaLnBrk="1" fontAlgn="auto" latinLnBrk="0" hangingPunct="1">
+              <a:lnSpc>
+                <a:spcPct val="100000"/>
+              </a:lnSpc>
+              <a:spcBef>
+                <a:spcPts val="0"/>
+              </a:spcBef>
+              <a:spcAft>
+                <a:spcPts val="0"/>
+              </a:spcAft>
+              <a:buClrTx/>
+              <a:buSzTx/>
+              <a:buFontTx/>
+              <a:buNone/>
+              <a:tabLst/>
+              <a:defRPr/>
+            </a:pPr>
+            <a:endParaRPr lang="ru-RU" sz="1200" b="0" i="0" kern="1200" dirty="0">
+              <a:solidFill>
+                <a:schemeClr val="tx1"/>
+              </a:solidFill>
+              <a:effectLst/>
+              <a:latin typeface="+mn-lt"/>
+              <a:ea typeface="+mn-ea"/>
+              <a:cs typeface="+mn-cs"/>
+            </a:endParaRPr>
+          </a:p>
+        </p:txBody>
+      </p:sp>
+      <p:sp>
+        <p:nvSpPr>
+          <p:cNvPr id="4" name="Slide Number Placeholder 3"/>
+          <p:cNvSpPr>
+            <a:spLocks noGrp="1"/>
+          </p:cNvSpPr>
+          <p:nvPr>
+            <p:ph type="sldNum" sz="quarter" idx="5"/>
+          </p:nvPr>
+        </p:nvSpPr>
+        <p:spPr/>
+        <p:txBody>
+          <a:bodyPr/>
+          <a:lstStyle/>
+          <a:p>
+            <a:fld id="{45EAD37F-4CAA-4C4E-B967-8FF85B62072E}" type="slidenum">
+              <a:rPr lang="en-RU" smtClean="0"/>
+              <a:t>5</a:t>
+            </a:fld>
+            <a:endParaRPr lang="en-RU"/>
+          </a:p>
+        </p:txBody>
+      </p:sp>
+    </p:spTree>
+    <p:extLst>
+      <p:ext uri="{BB962C8B-B14F-4D97-AF65-F5344CB8AC3E}">
+        <p14:creationId xmlns:p14="http://schemas.microsoft.com/office/powerpoint/2010/main" val="2364314815"/>
+      </p:ext>
+    </p:extLst>
+  </p:cSld>
+  <p:clrMapOvr>
+    <a:masterClrMapping/>
+  </p:clrMapOvr>
+</p:notes>
+</file>
+
+<file path=ppt/notesSlides/notesSlide5.xml><?xml version="1.0" encoding="utf-8"?>
+<p:notes xmlns:a="http://schemas.openxmlformats.org/drawingml/2006/main" xmlns:r="http://schemas.openxmlformats.org/officeDocument/2006/relationships" xmlns:p="http://schemas.openxmlformats.org/presentationml/2006/main">
+  <p:cSld>
+    <p:spTree>
+      <p:nvGrpSpPr>
+        <p:cNvPr id="1" name=""/>
+        <p:cNvGrpSpPr/>
+        <p:nvPr/>
+      </p:nvGrpSpPr>
+      <p:grpSpPr>
+        <a:xfrm>
+          <a:off x="0" y="0"/>
+          <a:ext cx="0" cy="0"/>
+          <a:chOff x="0" y="0"/>
+          <a:chExt cx="0" cy="0"/>
+        </a:xfrm>
+      </p:grpSpPr>
+      <p:sp>
+        <p:nvSpPr>
+          <p:cNvPr id="2" name="Slide Image Placeholder 1"/>
+          <p:cNvSpPr>
+            <a:spLocks noGrp="1" noRot="1" noChangeAspect="1"/>
+          </p:cNvSpPr>
+          <p:nvPr>
+            <p:ph type="sldImg"/>
+          </p:nvPr>
+        </p:nvSpPr>
+        <p:spPr/>
+      </p:sp>
+      <p:sp>
+        <p:nvSpPr>
+          <p:cNvPr id="3" name="Notes Placeholder 2"/>
+          <p:cNvSpPr>
+            <a:spLocks noGrp="1"/>
+          </p:cNvSpPr>
+          <p:nvPr>
+            <p:ph type="body" idx="1"/>
+          </p:nvPr>
+        </p:nvSpPr>
+        <p:spPr/>
+        <p:txBody>
+          <a:bodyPr/>
+          <a:lstStyle/>
+          <a:p>
+            <a:pPr marL="0" marR="0" lvl="0" indent="0" algn="l" defTabSz="914400" rtl="0" eaLnBrk="1" fontAlgn="auto" latinLnBrk="0" hangingPunct="1">
+              <a:lnSpc>
+                <a:spcPct val="100000"/>
+              </a:lnSpc>
+              <a:spcBef>
+                <a:spcPts val="0"/>
+              </a:spcBef>
+              <a:spcAft>
+                <a:spcPts val="0"/>
+              </a:spcAft>
+              <a:buClrTx/>
+              <a:buSzTx/>
+              <a:buFontTx/>
+              <a:buNone/>
+              <a:tabLst/>
+              <a:defRPr/>
+            </a:pPr>
+            <a:endParaRPr lang="ru-RU" sz="1200" b="0" i="0" kern="1200" dirty="0">
+              <a:solidFill>
+                <a:schemeClr val="tx1"/>
+              </a:solidFill>
+              <a:effectLst/>
+              <a:latin typeface="+mn-lt"/>
+              <a:ea typeface="+mn-ea"/>
+              <a:cs typeface="+mn-cs"/>
+            </a:endParaRPr>
+          </a:p>
+        </p:txBody>
+      </p:sp>
+      <p:sp>
+        <p:nvSpPr>
+          <p:cNvPr id="4" name="Slide Number Placeholder 3"/>
+          <p:cNvSpPr>
+            <a:spLocks noGrp="1"/>
+          </p:cNvSpPr>
+          <p:nvPr>
+            <p:ph type="sldNum" sz="quarter" idx="5"/>
+          </p:nvPr>
+        </p:nvSpPr>
+        <p:spPr/>
+        <p:txBody>
+          <a:bodyPr/>
+          <a:lstStyle/>
+          <a:p>
+            <a:fld id="{45EAD37F-4CAA-4C4E-B967-8FF85B62072E}" type="slidenum">
+              <a:rPr lang="en-RU" smtClean="0"/>
+              <a:t>6</a:t>
+            </a:fld>
+            <a:endParaRPr lang="en-RU"/>
+          </a:p>
+        </p:txBody>
+      </p:sp>
+    </p:spTree>
+    <p:extLst>
+      <p:ext uri="{BB962C8B-B14F-4D97-AF65-F5344CB8AC3E}">
+        <p14:creationId xmlns:p14="http://schemas.microsoft.com/office/powerpoint/2010/main" val="4138819874"/>
+      </p:ext>
+    </p:extLst>
+  </p:cSld>
+  <p:clrMapOvr>
+    <a:masterClrMapping/>
+  </p:clrMapOvr>
+</p:notes>
+</file>
+
+<file path=ppt/notesSlides/notesSlide6.xml><?xml version="1.0" encoding="utf-8"?>
+<p:notes xmlns:a="http://schemas.openxmlformats.org/drawingml/2006/main" xmlns:r="http://schemas.openxmlformats.org/officeDocument/2006/relationships" xmlns:p="http://schemas.openxmlformats.org/presentationml/2006/main">
+  <p:cSld>
+    <p:spTree>
+      <p:nvGrpSpPr>
+        <p:cNvPr id="1" name=""/>
+        <p:cNvGrpSpPr/>
+        <p:nvPr/>
+      </p:nvGrpSpPr>
+      <p:grpSpPr>
+        <a:xfrm>
+          <a:off x="0" y="0"/>
+          <a:ext cx="0" cy="0"/>
+          <a:chOff x="0" y="0"/>
+          <a:chExt cx="0" cy="0"/>
+        </a:xfrm>
+      </p:grpSpPr>
+      <p:sp>
+        <p:nvSpPr>
+          <p:cNvPr id="2" name="Slide Image Placeholder 1"/>
+          <p:cNvSpPr>
+            <a:spLocks noGrp="1" noRot="1" noChangeAspect="1"/>
+          </p:cNvSpPr>
+          <p:nvPr>
+            <p:ph type="sldImg"/>
+          </p:nvPr>
+        </p:nvSpPr>
+        <p:spPr/>
+      </p:sp>
+      <p:sp>
+        <p:nvSpPr>
+          <p:cNvPr id="3" name="Notes Placeholder 2"/>
+          <p:cNvSpPr>
+            <a:spLocks noGrp="1"/>
+          </p:cNvSpPr>
+          <p:nvPr>
+            <p:ph type="body" idx="1"/>
+          </p:nvPr>
+        </p:nvSpPr>
+        <p:spPr/>
+        <p:txBody>
+          <a:bodyPr/>
+          <a:lstStyle/>
+          <a:p>
+            <a:pPr marL="0" marR="0" lvl="0" indent="0" algn="l" defTabSz="914400" rtl="0" eaLnBrk="1" fontAlgn="auto" latinLnBrk="0" hangingPunct="1">
+              <a:lnSpc>
+                <a:spcPct val="100000"/>
+              </a:lnSpc>
+              <a:spcBef>
+                <a:spcPts val="0"/>
+              </a:spcBef>
+              <a:spcAft>
+                <a:spcPts val="0"/>
+              </a:spcAft>
+              <a:buClrTx/>
+              <a:buSzTx/>
+              <a:buFontTx/>
+              <a:buNone/>
+              <a:tabLst/>
+              <a:defRPr/>
+            </a:pPr>
+            <a:endParaRPr lang="ru-RU" sz="1200" b="0" i="0" kern="1200" dirty="0">
+              <a:solidFill>
+                <a:schemeClr val="tx1"/>
+              </a:solidFill>
+              <a:effectLst/>
+              <a:latin typeface="+mn-lt"/>
+              <a:ea typeface="+mn-ea"/>
+              <a:cs typeface="+mn-cs"/>
+            </a:endParaRPr>
+          </a:p>
+        </p:txBody>
+      </p:sp>
+      <p:sp>
+        <p:nvSpPr>
+          <p:cNvPr id="4" name="Slide Number Placeholder 3"/>
+          <p:cNvSpPr>
+            <a:spLocks noGrp="1"/>
+          </p:cNvSpPr>
+          <p:nvPr>
+            <p:ph type="sldNum" sz="quarter" idx="5"/>
+          </p:nvPr>
+        </p:nvSpPr>
+        <p:spPr/>
+        <p:txBody>
+          <a:bodyPr/>
+          <a:lstStyle/>
+          <a:p>
+            <a:fld id="{45EAD37F-4CAA-4C4E-B967-8FF85B62072E}" type="slidenum">
+              <a:rPr lang="en-RU" smtClean="0"/>
+              <a:t>7</a:t>
+            </a:fld>
+            <a:endParaRPr lang="en-RU"/>
+          </a:p>
+        </p:txBody>
+      </p:sp>
+    </p:spTree>
+    <p:extLst>
+      <p:ext uri="{BB962C8B-B14F-4D97-AF65-F5344CB8AC3E}">
+        <p14:creationId xmlns:p14="http://schemas.microsoft.com/office/powerpoint/2010/main" val="2448396978"/>
+      </p:ext>
+    </p:extLst>
+  </p:cSld>
+  <p:clrMapOvr>
+    <a:masterClrMapping/>
+  </p:clrMapOvr>
+</p:notes>
+</file>
+
+<file path=ppt/notesSlides/notesSlide7.xml><?xml version="1.0" encoding="utf-8"?>
+<p:notes xmlns:a="http://schemas.openxmlformats.org/drawingml/2006/main" xmlns:r="http://schemas.openxmlformats.org/officeDocument/2006/relationships" xmlns:p="http://schemas.openxmlformats.org/presentationml/2006/main">
+  <p:cSld>
+    <p:spTree>
+      <p:nvGrpSpPr>
+        <p:cNvPr id="1" name=""/>
+        <p:cNvGrpSpPr/>
+        <p:nvPr/>
+      </p:nvGrpSpPr>
+      <p:grpSpPr>
+        <a:xfrm>
+          <a:off x="0" y="0"/>
+          <a:ext cx="0" cy="0"/>
+          <a:chOff x="0" y="0"/>
+          <a:chExt cx="0" cy="0"/>
+        </a:xfrm>
+      </p:grpSpPr>
+      <p:sp>
+        <p:nvSpPr>
+          <p:cNvPr id="2" name="Slide Image Placeholder 1"/>
+          <p:cNvSpPr>
+            <a:spLocks noGrp="1" noRot="1" noChangeAspect="1"/>
+          </p:cNvSpPr>
+          <p:nvPr>
+            <p:ph type="sldImg"/>
+          </p:nvPr>
+        </p:nvSpPr>
+        <p:spPr/>
+      </p:sp>
+      <p:sp>
+        <p:nvSpPr>
+          <p:cNvPr id="3" name="Notes Placeholder 2"/>
+          <p:cNvSpPr>
+            <a:spLocks noGrp="1"/>
+          </p:cNvSpPr>
+          <p:nvPr>
+            <p:ph type="body" idx="1"/>
+          </p:nvPr>
+        </p:nvSpPr>
+        <p:spPr/>
+        <p:txBody>
+          <a:bodyPr/>
+          <a:lstStyle/>
+          <a:p>
+            <a:pPr marL="0" marR="0" lvl="0" indent="0" algn="l" defTabSz="914400" rtl="0" eaLnBrk="1" fontAlgn="auto" latinLnBrk="0" hangingPunct="1">
+              <a:lnSpc>
+                <a:spcPct val="100000"/>
+              </a:lnSpc>
+              <a:spcBef>
+                <a:spcPts val="0"/>
+              </a:spcBef>
+              <a:spcAft>
+                <a:spcPts val="0"/>
+              </a:spcAft>
+              <a:buClrTx/>
+              <a:buSzTx/>
+              <a:buFontTx/>
+              <a:buNone/>
+              <a:tabLst/>
+              <a:defRPr/>
+            </a:pPr>
+            <a:endParaRPr lang="ru-RU" sz="1200" b="0" i="0" kern="1200" dirty="0">
+              <a:solidFill>
+                <a:schemeClr val="tx1"/>
+              </a:solidFill>
+              <a:effectLst/>
+              <a:latin typeface="+mn-lt"/>
+              <a:ea typeface="+mn-ea"/>
+              <a:cs typeface="+mn-cs"/>
+            </a:endParaRPr>
+          </a:p>
+        </p:txBody>
+      </p:sp>
+      <p:sp>
+        <p:nvSpPr>
+          <p:cNvPr id="4" name="Slide Number Placeholder 3"/>
+          <p:cNvSpPr>
+            <a:spLocks noGrp="1"/>
+          </p:cNvSpPr>
+          <p:nvPr>
+            <p:ph type="sldNum" sz="quarter" idx="5"/>
+          </p:nvPr>
+        </p:nvSpPr>
+        <p:spPr/>
+        <p:txBody>
+          <a:bodyPr/>
+          <a:lstStyle/>
+          <a:p>
+            <a:fld id="{45EAD37F-4CAA-4C4E-B967-8FF85B62072E}" type="slidenum">
+              <a:rPr lang="en-RU" smtClean="0"/>
+              <a:t>8</a:t>
+            </a:fld>
+            <a:endParaRPr lang="en-RU"/>
+          </a:p>
+        </p:txBody>
+      </p:sp>
+    </p:spTree>
+    <p:extLst>
+      <p:ext uri="{BB962C8B-B14F-4D97-AF65-F5344CB8AC3E}">
+        <p14:creationId xmlns:p14="http://schemas.microsoft.com/office/powerpoint/2010/main" val="1376945053"/>
+      </p:ext>
+    </p:extLst>
+  </p:cSld>
+  <p:clrMapOvr>
+    <a:masterClrMapping/>
+  </p:clrMapOvr>
+</p:notes>
+</file>
+
+<file path=ppt/notesSlides/notesSlide8.xml><?xml version="1.0" encoding="utf-8"?>
+<p:notes xmlns:a="http://schemas.openxmlformats.org/drawingml/2006/main" xmlns:r="http://schemas.openxmlformats.org/officeDocument/2006/relationships" xmlns:p="http://schemas.openxmlformats.org/presentationml/2006/main">
+  <p:cSld>
+    <p:spTree>
+      <p:nvGrpSpPr>
+        <p:cNvPr id="1" name=""/>
+        <p:cNvGrpSpPr/>
+        <p:nvPr/>
+      </p:nvGrpSpPr>
+      <p:grpSpPr>
+        <a:xfrm>
+          <a:off x="0" y="0"/>
+          <a:ext cx="0" cy="0"/>
+          <a:chOff x="0" y="0"/>
+          <a:chExt cx="0" cy="0"/>
+        </a:xfrm>
+      </p:grpSpPr>
+      <p:sp>
+        <p:nvSpPr>
+          <p:cNvPr id="2" name="Slide Image Placeholder 1"/>
+          <p:cNvSpPr>
+            <a:spLocks noGrp="1" noRot="1" noChangeAspect="1"/>
+          </p:cNvSpPr>
+          <p:nvPr>
+            <p:ph type="sldImg"/>
+          </p:nvPr>
+        </p:nvSpPr>
+        <p:spPr/>
+      </p:sp>
+      <p:sp>
+        <p:nvSpPr>
+          <p:cNvPr id="3" name="Notes Placeholder 2"/>
+          <p:cNvSpPr>
+            <a:spLocks noGrp="1"/>
+          </p:cNvSpPr>
+          <p:nvPr>
+            <p:ph type="body" idx="1"/>
+          </p:nvPr>
+        </p:nvSpPr>
+        <p:spPr/>
+        <p:txBody>
+          <a:bodyPr/>
+          <a:lstStyle/>
+          <a:p>
+            <a:endParaRPr lang="en-RU"/>
+          </a:p>
+        </p:txBody>
+      </p:sp>
+      <p:sp>
+        <p:nvSpPr>
+          <p:cNvPr id="4" name="Slide Number Placeholder 3"/>
+          <p:cNvSpPr>
+            <a:spLocks noGrp="1"/>
+          </p:cNvSpPr>
+          <p:nvPr>
+            <p:ph type="sldNum" sz="quarter" idx="5"/>
+          </p:nvPr>
+        </p:nvSpPr>
+        <p:spPr/>
+        <p:txBody>
+          <a:bodyPr/>
+          <a:lstStyle/>
+          <a:p>
+            <a:fld id="{45EAD37F-4CAA-4C4E-B967-8FF85B62072E}" type="slidenum">
+              <a:rPr lang="en-RU" smtClean="0"/>
+              <a:t>9</a:t>
+            </a:fld>
+            <a:endParaRPr lang="en-RU"/>
+          </a:p>
+        </p:txBody>
+      </p:sp>
+    </p:spTree>
+    <p:extLst>
+      <p:ext uri="{BB962C8B-B14F-4D97-AF65-F5344CB8AC3E}">
+        <p14:creationId xmlns:p14="http://schemas.microsoft.com/office/powerpoint/2010/main" val="979458572"/>
+      </p:ext>
+    </p:extLst>
+  </p:cSld>
+  <p:clrMapOvr>
+    <a:masterClrMapping/>
+  </p:clrMapOvr>
+</p:notes>
+</file>
+
+<file path=ppt/notesSlides/notesSlide9.xml><?xml version="1.0" encoding="utf-8"?>
+<p:notes xmlns:a="http://schemas.openxmlformats.org/drawingml/2006/main" xmlns:r="http://schemas.openxmlformats.org/officeDocument/2006/relationships" xmlns:p="http://schemas.openxmlformats.org/presentationml/2006/main">
+  <p:cSld>
+    <p:spTree>
+      <p:nvGrpSpPr>
+        <p:cNvPr id="1" name=""/>
+        <p:cNvGrpSpPr/>
+        <p:nvPr/>
+      </p:nvGrpSpPr>
+      <p:grpSpPr>
+        <a:xfrm>
+          <a:off x="0" y="0"/>
+          <a:ext cx="0" cy="0"/>
+          <a:chOff x="0" y="0"/>
+          <a:chExt cx="0" cy="0"/>
+        </a:xfrm>
+      </p:grpSpPr>
+      <p:sp>
+        <p:nvSpPr>
+          <p:cNvPr id="2" name="Slide Image Placeholder 1"/>
+          <p:cNvSpPr>
+            <a:spLocks noGrp="1" noRot="1" noChangeAspect="1"/>
+          </p:cNvSpPr>
+          <p:nvPr>
+            <p:ph type="sldImg"/>
+          </p:nvPr>
+        </p:nvSpPr>
+        <p:spPr/>
+      </p:sp>
+      <p:sp>
+        <p:nvSpPr>
+          <p:cNvPr id="3" name="Notes Placeholder 2"/>
+          <p:cNvSpPr>
+            <a:spLocks noGrp="1"/>
+          </p:cNvSpPr>
+          <p:nvPr>
+            <p:ph type="body" idx="1"/>
+          </p:nvPr>
+        </p:nvSpPr>
+        <p:spPr/>
+        <p:txBody>
+          <a:bodyPr/>
+          <a:lstStyle/>
+          <a:p>
+            <a:endParaRPr lang="en-RU"/>
+          </a:p>
+        </p:txBody>
+      </p:sp>
+      <p:sp>
+        <p:nvSpPr>
+          <p:cNvPr id="4" name="Slide Number Placeholder 3"/>
+          <p:cNvSpPr>
+            <a:spLocks noGrp="1"/>
+          </p:cNvSpPr>
+          <p:nvPr>
+            <p:ph type="sldNum" sz="quarter" idx="5"/>
+          </p:nvPr>
+        </p:nvSpPr>
+        <p:spPr/>
+        <p:txBody>
+          <a:bodyPr/>
+          <a:lstStyle/>
+          <a:p>
+            <a:fld id="{45EAD37F-4CAA-4C4E-B967-8FF85B62072E}" type="slidenum">
+              <a:rPr lang="en-RU" smtClean="0"/>
+              <a:t>10</a:t>
+            </a:fld>
+            <a:endParaRPr lang="en-RU"/>
+          </a:p>
+        </p:txBody>
+      </p:sp>
+    </p:spTree>
+    <p:extLst>
+      <p:ext uri="{BB962C8B-B14F-4D97-AF65-F5344CB8AC3E}">
+        <p14:creationId xmlns:p14="http://schemas.microsoft.com/office/powerpoint/2010/main" val="1936477966"/>
       </p:ext>
     </p:extLst>
   </p:cSld>
@@ -1957,6 +3268,227 @@
 </p:sld>
 </file>
 
+<file path=ppt/slides/slide10.xml><?xml version="1.0" encoding="utf-8"?>
+<p:sld xmlns:a="http://schemas.openxmlformats.org/drawingml/2006/main" xmlns:r="http://schemas.openxmlformats.org/officeDocument/2006/relationships" xmlns:p="http://schemas.openxmlformats.org/presentationml/2006/main">
+  <p:cSld>
+    <p:spTree>
+      <p:nvGrpSpPr>
+        <p:cNvPr id="1" name=""/>
+        <p:cNvGrpSpPr/>
+        <p:nvPr/>
+      </p:nvGrpSpPr>
+      <p:grpSpPr>
+        <a:xfrm>
+          <a:off x="0" y="0"/>
+          <a:ext cx="0" cy="0"/>
+          <a:chOff x="0" y="0"/>
+          <a:chExt cx="0" cy="0"/>
+        </a:xfrm>
+      </p:grpSpPr>
+      <p:sp>
+        <p:nvSpPr>
+          <p:cNvPr id="2" name="Text Placeholder 1">
+            <a:extLst>
+              <a:ext uri="{FF2B5EF4-FFF2-40B4-BE49-F238E27FC236}">
+                <a16:creationId xmlns:a16="http://schemas.microsoft.com/office/drawing/2014/main" id="{EE1642DD-3082-0146-B8C3-B7E8C1DFCC6A}"/>
+              </a:ext>
+            </a:extLst>
+          </p:cNvPr>
+          <p:cNvSpPr>
+            <a:spLocks noGrp="1"/>
+          </p:cNvSpPr>
+          <p:nvPr>
+            <p:ph type="body" sz="quarter" idx="13"/>
+          </p:nvPr>
+        </p:nvSpPr>
+        <p:spPr/>
+        <p:txBody>
+          <a:bodyPr>
+            <a:normAutofit fontScale="92500" lnSpcReduction="20000"/>
+          </a:bodyPr>
+          <a:lstStyle/>
+          <a:p>
+            <a:r>
+              <a:rPr lang="en-US" dirty="0"/>
+              <a:t>Performance</a:t>
+            </a:r>
+            <a:endParaRPr lang="ru-RU" dirty="0"/>
+          </a:p>
+        </p:txBody>
+      </p:sp>
+      <p:pic>
+        <p:nvPicPr>
+          <p:cNvPr id="4" name="Picture 3">
+            <a:extLst>
+              <a:ext uri="{FF2B5EF4-FFF2-40B4-BE49-F238E27FC236}">
+                <a16:creationId xmlns:a16="http://schemas.microsoft.com/office/drawing/2014/main" id="{47F6E622-20E3-1A2A-DBA7-CB504CF30139}"/>
+              </a:ext>
+            </a:extLst>
+          </p:cNvPr>
+          <p:cNvPicPr>
+            <a:picLocks noChangeAspect="1"/>
+          </p:cNvPicPr>
+          <p:nvPr/>
+        </p:nvPicPr>
+        <p:blipFill>
+          <a:blip r:embed="rId3">
+            <a:extLst>
+              <a:ext uri="{28A0092B-C50C-407E-A947-70E740481C1C}">
+                <a14:useLocalDpi xmlns:a14="http://schemas.microsoft.com/office/drawing/2010/main" val="0"/>
+              </a:ext>
+            </a:extLst>
+          </a:blip>
+          <a:stretch>
+            <a:fillRect/>
+          </a:stretch>
+        </p:blipFill>
+        <p:spPr>
+          <a:xfrm>
+            <a:off x="3175000" y="1681595"/>
+            <a:ext cx="5842000" cy="4381500"/>
+          </a:xfrm>
+          <a:prstGeom prst="rect">
+            <a:avLst/>
+          </a:prstGeom>
+        </p:spPr>
+      </p:pic>
+    </p:spTree>
+    <p:extLst>
+      <p:ext uri="{BB962C8B-B14F-4D97-AF65-F5344CB8AC3E}">
+        <p14:creationId xmlns:p14="http://schemas.microsoft.com/office/powerpoint/2010/main" val="2994019339"/>
+      </p:ext>
+    </p:extLst>
+  </p:cSld>
+  <p:clrMapOvr>
+    <a:masterClrMapping/>
+  </p:clrMapOvr>
+  <p:transition spd="med"/>
+</p:sld>
+</file>
+
+<file path=ppt/slides/slide11.xml><?xml version="1.0" encoding="utf-8"?>
+<p:sld xmlns:a="http://schemas.openxmlformats.org/drawingml/2006/main" xmlns:r="http://schemas.openxmlformats.org/officeDocument/2006/relationships" xmlns:p="http://schemas.openxmlformats.org/presentationml/2006/main">
+  <p:cSld>
+    <p:spTree>
+      <p:nvGrpSpPr>
+        <p:cNvPr id="1" name=""/>
+        <p:cNvGrpSpPr/>
+        <p:nvPr/>
+      </p:nvGrpSpPr>
+      <p:grpSpPr>
+        <a:xfrm>
+          <a:off x="0" y="0"/>
+          <a:ext cx="0" cy="0"/>
+          <a:chOff x="0" y="0"/>
+          <a:chExt cx="0" cy="0"/>
+        </a:xfrm>
+      </p:grpSpPr>
+      <p:sp>
+        <p:nvSpPr>
+          <p:cNvPr id="4" name="Текст 3"/>
+          <p:cNvSpPr>
+            <a:spLocks noGrp="1"/>
+          </p:cNvSpPr>
+          <p:nvPr>
+            <p:ph type="body" sz="quarter" idx="10"/>
+          </p:nvPr>
+        </p:nvSpPr>
+        <p:spPr>
+          <a:xfrm>
+            <a:off x="544424" y="3019795"/>
+            <a:ext cx="10401872" cy="3143501"/>
+          </a:xfrm>
+          <a:effectLst>
+            <a:softEdge rad="0"/>
+          </a:effectLst>
+          <a:scene3d>
+            <a:camera prst="orthographicFront">
+              <a:rot lat="0" lon="0" rev="0"/>
+            </a:camera>
+            <a:lightRig rig="threePt" dir="t"/>
+          </a:scene3d>
+          <a:sp3d/>
+        </p:spPr>
+        <p:txBody>
+          <a:bodyPr/>
+          <a:lstStyle/>
+          <a:p>
+            <a:r>
+              <a:rPr lang="en-US" sz="2000" dirty="0">
+                <a:latin typeface="Helvetica" pitchFamily="2" charset="0"/>
+              </a:rPr>
+              <a:t>Project presentation</a:t>
+            </a:r>
+            <a:endParaRPr lang="ru-RU" sz="2000" dirty="0">
+              <a:latin typeface="Helvetica" pitchFamily="2" charset="0"/>
+            </a:endParaRPr>
+          </a:p>
+          <a:p>
+            <a:r>
+              <a:rPr lang="en-GB" dirty="0"/>
+              <a:t>A Divide and Conquer Method for the Symmetric Tridiagonal Eigenproblem</a:t>
+            </a:r>
+          </a:p>
+          <a:p>
+            <a:endParaRPr lang="ru-RU" sz="2400" dirty="0">
+              <a:latin typeface="Helvetica" pitchFamily="2" charset="0"/>
+            </a:endParaRPr>
+          </a:p>
+          <a:p>
+            <a:r>
+              <a:rPr lang="en-US" sz="2400" dirty="0"/>
+              <a:t>Konstantin </a:t>
+            </a:r>
+            <a:r>
+              <a:rPr lang="en-US" sz="2400" dirty="0" err="1"/>
+              <a:t>Leladze</a:t>
+            </a:r>
+            <a:endParaRPr lang="ru-RU" sz="2400" dirty="0">
+              <a:latin typeface="Helvetica" pitchFamily="2" charset="0"/>
+            </a:endParaRPr>
+          </a:p>
+          <a:p>
+            <a:r>
+              <a:rPr lang="en-US" sz="1600" dirty="0">
+                <a:latin typeface="Helvetica" pitchFamily="2" charset="0"/>
+              </a:rPr>
+              <a:t>HSE</a:t>
+            </a:r>
+            <a:r>
+              <a:rPr lang="ru-RU" sz="1600" dirty="0">
+                <a:latin typeface="Helvetica" pitchFamily="2" charset="0"/>
+              </a:rPr>
+              <a:t> 202</a:t>
+            </a:r>
+            <a:r>
+              <a:rPr lang="en-US" sz="1600" dirty="0"/>
+              <a:t>2</a:t>
+            </a:r>
+            <a:endParaRPr lang="ru-RU" sz="1600" dirty="0">
+              <a:latin typeface="Helvetica" pitchFamily="2" charset="0"/>
+            </a:endParaRPr>
+          </a:p>
+          <a:p>
+            <a:endParaRPr lang="ru-RU" sz="3600" dirty="0">
+              <a:latin typeface="Helvetica" pitchFamily="2" charset="0"/>
+            </a:endParaRPr>
+          </a:p>
+        </p:txBody>
+      </p:sp>
+    </p:spTree>
+    <p:extLst>
+      <p:ext uri="{BB962C8B-B14F-4D97-AF65-F5344CB8AC3E}">
+        <p14:creationId xmlns:p14="http://schemas.microsoft.com/office/powerpoint/2010/main" val="2677633850"/>
+      </p:ext>
+    </p:extLst>
+  </p:cSld>
+  <p:clrMapOvr>
+    <a:masterClrMapping/>
+  </p:clrMapOvr>
+  <p:transition spd="med"/>
+</p:sld>
+</file>
+
 <file path=ppt/slides/slide2.xml><?xml version="1.0" encoding="utf-8"?>
 <p:sld xmlns:a="http://schemas.openxmlformats.org/drawingml/2006/main" xmlns:r="http://schemas.openxmlformats.org/officeDocument/2006/relationships" xmlns:p="http://schemas.openxmlformats.org/presentationml/2006/main">
   <p:cSld>
@@ -2001,7 +3533,7 @@
               <a:rPr lang="en-US" dirty="0">
                 <a:latin typeface="+mn-lt"/>
               </a:rPr>
-              <a:t>Draft</a:t>
+              <a:t>Algorithm summary</a:t>
             </a:r>
             <a:endParaRPr lang="ru-RU" dirty="0">
               <a:latin typeface="+mn-lt"/>
@@ -2009,10 +3541,460 @@
           </a:p>
         </p:txBody>
       </p:sp>
+      <p:pic>
+        <p:nvPicPr>
+          <p:cNvPr id="11" name="Picture 10">
+            <a:extLst>
+              <a:ext uri="{FF2B5EF4-FFF2-40B4-BE49-F238E27FC236}">
+                <a16:creationId xmlns:a16="http://schemas.microsoft.com/office/drawing/2014/main" id="{D2A14CAA-FDC4-9DE0-0CE0-2765E0D01D07}"/>
+              </a:ext>
+            </a:extLst>
+          </p:cNvPr>
+          <p:cNvPicPr>
+            <a:picLocks noChangeAspect="1"/>
+          </p:cNvPicPr>
+          <p:nvPr/>
+        </p:nvPicPr>
+        <p:blipFill>
+          <a:blip r:embed="rId3">
+            <a:extLst>
+              <a:ext uri="{28A0092B-C50C-407E-A947-70E740481C1C}">
+                <a14:useLocalDpi xmlns:a14="http://schemas.microsoft.com/office/drawing/2010/main" val="0"/>
+              </a:ext>
+            </a:extLst>
+          </a:blip>
+          <a:stretch>
+            <a:fillRect/>
+          </a:stretch>
+        </p:blipFill>
+        <p:spPr>
+          <a:xfrm>
+            <a:off x="1120774" y="1388184"/>
+            <a:ext cx="3790345" cy="1659747"/>
+          </a:xfrm>
+          <a:prstGeom prst="rect">
+            <a:avLst/>
+          </a:prstGeom>
+        </p:spPr>
+      </p:pic>
+      <p:pic>
+        <p:nvPicPr>
+          <p:cNvPr id="13" name="Picture 12">
+            <a:extLst>
+              <a:ext uri="{FF2B5EF4-FFF2-40B4-BE49-F238E27FC236}">
+                <a16:creationId xmlns:a16="http://schemas.microsoft.com/office/drawing/2014/main" id="{5B35F348-42CE-A61A-566A-176FDB851D58}"/>
+              </a:ext>
+            </a:extLst>
+          </p:cNvPr>
+          <p:cNvPicPr>
+            <a:picLocks noChangeAspect="1"/>
+          </p:cNvPicPr>
+          <p:nvPr/>
+        </p:nvPicPr>
+        <p:blipFill>
+          <a:blip r:embed="rId4">
+            <a:extLst>
+              <a:ext uri="{28A0092B-C50C-407E-A947-70E740481C1C}">
+                <a14:useLocalDpi xmlns:a14="http://schemas.microsoft.com/office/drawing/2010/main" val="0"/>
+              </a:ext>
+            </a:extLst>
+          </a:blip>
+          <a:stretch>
+            <a:fillRect/>
+          </a:stretch>
+        </p:blipFill>
+        <p:spPr>
+          <a:xfrm>
+            <a:off x="1699125" y="3810068"/>
+            <a:ext cx="2633644" cy="1809905"/>
+          </a:xfrm>
+          <a:prstGeom prst="rect">
+            <a:avLst/>
+          </a:prstGeom>
+        </p:spPr>
+      </p:pic>
+      <p:pic>
+        <p:nvPicPr>
+          <p:cNvPr id="17" name="Picture 16">
+            <a:extLst>
+              <a:ext uri="{FF2B5EF4-FFF2-40B4-BE49-F238E27FC236}">
+                <a16:creationId xmlns:a16="http://schemas.microsoft.com/office/drawing/2014/main" id="{AD4D6633-188F-5681-2CC5-6004AF31C3C9}"/>
+              </a:ext>
+            </a:extLst>
+          </p:cNvPr>
+          <p:cNvPicPr>
+            <a:picLocks noChangeAspect="1"/>
+          </p:cNvPicPr>
+          <p:nvPr/>
+        </p:nvPicPr>
+        <p:blipFill>
+          <a:blip r:embed="rId5">
+            <a:extLst>
+              <a:ext uri="{28A0092B-C50C-407E-A947-70E740481C1C}">
+                <a14:useLocalDpi xmlns:a14="http://schemas.microsoft.com/office/drawing/2010/main" val="0"/>
+              </a:ext>
+            </a:extLst>
+          </a:blip>
+          <a:stretch>
+            <a:fillRect/>
+          </a:stretch>
+        </p:blipFill>
+        <p:spPr>
+          <a:xfrm>
+            <a:off x="6754703" y="3546620"/>
+            <a:ext cx="1409700" cy="1168400"/>
+          </a:xfrm>
+          <a:prstGeom prst="rect">
+            <a:avLst/>
+          </a:prstGeom>
+        </p:spPr>
+      </p:pic>
+      <p:pic>
+        <p:nvPicPr>
+          <p:cNvPr id="19" name="Picture 18">
+            <a:extLst>
+              <a:ext uri="{FF2B5EF4-FFF2-40B4-BE49-F238E27FC236}">
+                <a16:creationId xmlns:a16="http://schemas.microsoft.com/office/drawing/2014/main" id="{64E8929F-3805-328A-075A-7E916AC902EB}"/>
+              </a:ext>
+            </a:extLst>
+          </p:cNvPr>
+          <p:cNvPicPr>
+            <a:picLocks noChangeAspect="1"/>
+          </p:cNvPicPr>
+          <p:nvPr/>
+        </p:nvPicPr>
+        <p:blipFill>
+          <a:blip r:embed="rId6">
+            <a:extLst>
+              <a:ext uri="{28A0092B-C50C-407E-A947-70E740481C1C}">
+                <a14:useLocalDpi xmlns:a14="http://schemas.microsoft.com/office/drawing/2010/main" val="0"/>
+              </a:ext>
+            </a:extLst>
+          </a:blip>
+          <a:stretch>
+            <a:fillRect/>
+          </a:stretch>
+        </p:blipFill>
+        <p:spPr>
+          <a:xfrm>
+            <a:off x="6748353" y="4841894"/>
+            <a:ext cx="2832100" cy="1206500"/>
+          </a:xfrm>
+          <a:prstGeom prst="rect">
+            <a:avLst/>
+          </a:prstGeom>
+        </p:spPr>
+      </p:pic>
+      <p:cxnSp>
+        <p:nvCxnSpPr>
+          <p:cNvPr id="24" name="Straight Arrow Connector 23">
+            <a:extLst>
+              <a:ext uri="{FF2B5EF4-FFF2-40B4-BE49-F238E27FC236}">
+                <a16:creationId xmlns:a16="http://schemas.microsoft.com/office/drawing/2014/main" id="{FA958B22-3476-64E5-918D-AFC2ECF3B7D6}"/>
+              </a:ext>
+            </a:extLst>
+          </p:cNvPr>
+          <p:cNvCxnSpPr>
+            <a:cxnSpLocks/>
+            <a:stCxn id="11" idx="2"/>
+          </p:cNvCxnSpPr>
+          <p:nvPr/>
+        </p:nvCxnSpPr>
+        <p:spPr>
+          <a:xfrm>
+            <a:off x="3015947" y="3047931"/>
+            <a:ext cx="0" cy="762137"/>
+          </a:xfrm>
+          <a:prstGeom prst="straightConnector1">
+            <a:avLst/>
+          </a:prstGeom>
+          <a:ln>
+            <a:tailEnd type="triangle"/>
+          </a:ln>
+        </p:spPr>
+        <p:style>
+          <a:lnRef idx="1">
+            <a:schemeClr val="dk1"/>
+          </a:lnRef>
+          <a:fillRef idx="0">
+            <a:schemeClr val="dk1"/>
+          </a:fillRef>
+          <a:effectRef idx="0">
+            <a:schemeClr val="dk1"/>
+          </a:effectRef>
+          <a:fontRef idx="minor">
+            <a:schemeClr val="tx1"/>
+          </a:fontRef>
+        </p:style>
+      </p:cxnSp>
+      <p:cxnSp>
+        <p:nvCxnSpPr>
+          <p:cNvPr id="29" name="Straight Arrow Connector 28">
+            <a:extLst>
+              <a:ext uri="{FF2B5EF4-FFF2-40B4-BE49-F238E27FC236}">
+                <a16:creationId xmlns:a16="http://schemas.microsoft.com/office/drawing/2014/main" id="{753FB8FA-E2BC-D6A3-C799-631D583FACF8}"/>
+              </a:ext>
+            </a:extLst>
+          </p:cNvPr>
+          <p:cNvCxnSpPr>
+            <a:cxnSpLocks/>
+            <a:stCxn id="13" idx="3"/>
+          </p:cNvCxnSpPr>
+          <p:nvPr/>
+        </p:nvCxnSpPr>
+        <p:spPr>
+          <a:xfrm>
+            <a:off x="4332769" y="4715021"/>
+            <a:ext cx="2310919" cy="0"/>
+          </a:xfrm>
+          <a:prstGeom prst="straightConnector1">
+            <a:avLst/>
+          </a:prstGeom>
+          <a:ln>
+            <a:tailEnd type="triangle"/>
+          </a:ln>
+        </p:spPr>
+        <p:style>
+          <a:lnRef idx="1">
+            <a:schemeClr val="dk1"/>
+          </a:lnRef>
+          <a:fillRef idx="0">
+            <a:schemeClr val="dk1"/>
+          </a:fillRef>
+          <a:effectRef idx="0">
+            <a:schemeClr val="dk1"/>
+          </a:effectRef>
+          <a:fontRef idx="minor">
+            <a:schemeClr val="tx1"/>
+          </a:fontRef>
+        </p:style>
+      </p:cxnSp>
+      <p:sp>
+        <p:nvSpPr>
+          <p:cNvPr id="30" name="TextBox 29">
+            <a:extLst>
+              <a:ext uri="{FF2B5EF4-FFF2-40B4-BE49-F238E27FC236}">
+                <a16:creationId xmlns:a16="http://schemas.microsoft.com/office/drawing/2014/main" id="{0813824E-7E6A-0596-7DF7-4893A4C4947E}"/>
+              </a:ext>
+            </a:extLst>
+          </p:cNvPr>
+          <p:cNvSpPr txBox="1"/>
+          <p:nvPr/>
+        </p:nvSpPr>
+        <p:spPr>
+          <a:xfrm>
+            <a:off x="5469037" y="1412856"/>
+            <a:ext cx="5378033" cy="1477325"/>
+          </a:xfrm>
+          <a:prstGeom prst="rect">
+            <a:avLst/>
+          </a:prstGeom>
+          <a:noFill/>
+          <a:ln w="12700" cap="flat">
+            <a:noFill/>
+            <a:miter lim="400000"/>
+          </a:ln>
+          <a:effectLst/>
+          <a:sp3d/>
+        </p:spPr>
+        <p:style>
+          <a:lnRef idx="0">
+            <a:scrgbClr r="0" g="0" b="0"/>
+          </a:lnRef>
+          <a:fillRef idx="0">
+            <a:scrgbClr r="0" g="0" b="0"/>
+          </a:fillRef>
+          <a:effectRef idx="0">
+            <a:scrgbClr r="0" g="0" b="0"/>
+          </a:effectRef>
+          <a:fontRef idx="none"/>
+        </p:style>
+        <p:txBody>
+          <a:bodyPr rot="0" spcFirstLastPara="1" vertOverflow="overflow" horzOverflow="overflow" vert="horz" wrap="square" lIns="45719" tIns="45719" rIns="45719" bIns="45719" numCol="1" spcCol="38100" rtlCol="0" anchor="t">
+            <a:spAutoFit/>
+          </a:bodyPr>
+          <a:lstStyle/>
+          <a:p>
+            <a:pPr hangingPunct="0"/>
+            <a:r>
+              <a:rPr lang="en-RU" dirty="0">
+                <a:solidFill>
+                  <a:srgbClr val="323332"/>
+                </a:solidFill>
+                <a:latin typeface="Calibri" panose="020F0502020204030204" pitchFamily="34" charset="0"/>
+                <a:ea typeface="+mj-ea"/>
+                <a:cs typeface="Calibri" panose="020F0502020204030204" pitchFamily="34" charset="0"/>
+                <a:sym typeface="Calibri"/>
+              </a:rPr>
+              <a:t>How to find an e</a:t>
+            </a:r>
+            <a:r>
+              <a:rPr lang="en-RU" dirty="0">
+                <a:solidFill>
+                  <a:srgbClr val="323332"/>
+                </a:solidFill>
+                <a:latin typeface="Calibri" panose="020F0502020204030204" pitchFamily="34" charset="0"/>
+                <a:cs typeface="Calibri" panose="020F0502020204030204" pitchFamily="34" charset="0"/>
+                <a:sym typeface="Calibri"/>
+              </a:rPr>
+              <a:t>igencomposition of an arbitrary hermitian matrix?</a:t>
+            </a:r>
+            <a:endParaRPr kumimoji="0" lang="en-RU" sz="1800" b="0" i="0" u="none" strike="noStrike" cap="none" spc="0" normalizeH="0" baseline="0" dirty="0">
+              <a:ln>
+                <a:noFill/>
+              </a:ln>
+              <a:solidFill>
+                <a:srgbClr val="323332"/>
+              </a:solidFill>
+              <a:effectLst/>
+              <a:uFillTx/>
+              <a:latin typeface="Calibri" panose="020F0502020204030204" pitchFamily="34" charset="0"/>
+              <a:ea typeface="+mj-ea"/>
+              <a:cs typeface="Calibri" panose="020F0502020204030204" pitchFamily="34" charset="0"/>
+              <a:sym typeface="Calibri"/>
+            </a:endParaRPr>
+          </a:p>
+          <a:p>
+            <a:pPr marL="342900" marR="0" indent="-342900" algn="l" defTabSz="914400" rtl="0" fontAlgn="auto" latinLnBrk="0" hangingPunct="0">
+              <a:lnSpc>
+                <a:spcPct val="100000"/>
+              </a:lnSpc>
+              <a:spcBef>
+                <a:spcPts val="0"/>
+              </a:spcBef>
+              <a:spcAft>
+                <a:spcPts val="0"/>
+              </a:spcAft>
+              <a:buClrTx/>
+              <a:buSzTx/>
+              <a:buFont typeface="+mj-lt"/>
+              <a:buAutoNum type="arabicPeriod"/>
+              <a:tabLst/>
+            </a:pPr>
+            <a:r>
+              <a:rPr lang="en-RU" dirty="0">
+                <a:solidFill>
+                  <a:srgbClr val="323332"/>
+                </a:solidFill>
+                <a:latin typeface="Calibri" panose="020F0502020204030204" pitchFamily="34" charset="0"/>
+                <a:ea typeface="+mj-ea"/>
+                <a:cs typeface="Calibri" panose="020F0502020204030204" pitchFamily="34" charset="0"/>
+                <a:sym typeface="Calibri"/>
+              </a:rPr>
+              <a:t>T</a:t>
+            </a:r>
+            <a:r>
+              <a:rPr kumimoji="0" lang="en-RU" sz="1800" b="0" i="0" u="none" strike="noStrike" cap="none" spc="0" normalizeH="0" baseline="0" dirty="0">
+                <a:ln>
+                  <a:noFill/>
+                </a:ln>
+                <a:solidFill>
+                  <a:srgbClr val="323332"/>
+                </a:solidFill>
+                <a:effectLst/>
+                <a:uFillTx/>
+                <a:latin typeface="Calibri" panose="020F0502020204030204" pitchFamily="34" charset="0"/>
+                <a:ea typeface="+mj-ea"/>
+                <a:cs typeface="Calibri" panose="020F0502020204030204" pitchFamily="34" charset="0"/>
+                <a:sym typeface="Calibri"/>
+              </a:rPr>
+              <a:t>he hermitian matrix should be tridiagonalized first</a:t>
+            </a:r>
+          </a:p>
+          <a:p>
+            <a:pPr marL="342900" marR="0" indent="-342900" algn="l" defTabSz="914400" rtl="0" fontAlgn="auto" latinLnBrk="0" hangingPunct="0">
+              <a:lnSpc>
+                <a:spcPct val="100000"/>
+              </a:lnSpc>
+              <a:spcBef>
+                <a:spcPts val="0"/>
+              </a:spcBef>
+              <a:spcAft>
+                <a:spcPts val="0"/>
+              </a:spcAft>
+              <a:buClrTx/>
+              <a:buSzTx/>
+              <a:buFont typeface="+mj-lt"/>
+              <a:buAutoNum type="arabicPeriod"/>
+              <a:tabLst/>
+            </a:pPr>
+            <a:r>
+              <a:rPr kumimoji="0" lang="en-RU" sz="1800" b="0" i="0" u="none" strike="noStrike" cap="none" spc="0" normalizeH="0" baseline="0" dirty="0">
+                <a:ln>
+                  <a:noFill/>
+                </a:ln>
+                <a:solidFill>
+                  <a:srgbClr val="323332"/>
+                </a:solidFill>
+                <a:effectLst/>
+                <a:uFillTx/>
+                <a:latin typeface="Calibri" panose="020F0502020204030204" pitchFamily="34" charset="0"/>
+                <a:ea typeface="+mj-ea"/>
+                <a:cs typeface="Calibri" panose="020F0502020204030204" pitchFamily="34" charset="0"/>
+                <a:sym typeface="Calibri"/>
+              </a:rPr>
+              <a:t>Then, eigencomposition can be easily built using the implemented </a:t>
+            </a:r>
+            <a:r>
+              <a:rPr kumimoji="0" lang="en-RU" sz="1800" b="1" i="0" u="none" strike="noStrike" cap="none" spc="0" normalizeH="0" baseline="0" dirty="0">
+                <a:ln>
+                  <a:noFill/>
+                </a:ln>
+                <a:solidFill>
+                  <a:srgbClr val="323332"/>
+                </a:solidFill>
+                <a:effectLst/>
+                <a:uFillTx/>
+                <a:latin typeface="Calibri" panose="020F0502020204030204" pitchFamily="34" charset="0"/>
+                <a:ea typeface="+mj-ea"/>
+                <a:cs typeface="Calibri" panose="020F0502020204030204" pitchFamily="34" charset="0"/>
+                <a:sym typeface="Calibri"/>
+              </a:rPr>
+              <a:t>divide and conquer algorithm</a:t>
+            </a:r>
+          </a:p>
+        </p:txBody>
+      </p:sp>
+      <p:pic>
+        <p:nvPicPr>
+          <p:cNvPr id="12" name="Picture 11">
+            <a:extLst>
+              <a:ext uri="{FF2B5EF4-FFF2-40B4-BE49-F238E27FC236}">
+                <a16:creationId xmlns:a16="http://schemas.microsoft.com/office/drawing/2014/main" id="{ABB22E71-3BD3-69B1-C4E4-7F62BAAFFFFD}"/>
+              </a:ext>
+            </a:extLst>
+          </p:cNvPr>
+          <p:cNvPicPr>
+            <a:picLocks noChangeAspect="1"/>
+          </p:cNvPicPr>
+          <p:nvPr/>
+        </p:nvPicPr>
+        <p:blipFill>
+          <a:blip r:embed="rId7">
+            <a:extLst>
+              <a:ext uri="{28A0092B-C50C-407E-A947-70E740481C1C}">
+                <a14:useLocalDpi xmlns:a14="http://schemas.microsoft.com/office/drawing/2010/main" val="0"/>
+              </a:ext>
+            </a:extLst>
+          </a:blip>
+          <a:stretch>
+            <a:fillRect/>
+          </a:stretch>
+        </p:blipFill>
+        <p:spPr>
+          <a:xfrm>
+            <a:off x="4737041" y="4008526"/>
+            <a:ext cx="1607039" cy="548745"/>
+          </a:xfrm>
+          <a:prstGeom prst="rect">
+            <a:avLst/>
+          </a:prstGeom>
+        </p:spPr>
+      </p:pic>
     </p:spTree>
     <p:extLst>
       <p:ext uri="{BB962C8B-B14F-4D97-AF65-F5344CB8AC3E}">
-        <p14:creationId xmlns:p14="http://schemas.microsoft.com/office/powerpoint/2010/main" val="1106503940"/>
+        <p14:creationId xmlns:p14="http://schemas.microsoft.com/office/powerpoint/2010/main" val="1291283053"/>
       </p:ext>
     </p:extLst>
   </p:cSld>
@@ -2067,7 +4049,7 @@
               <a:rPr lang="en-US" dirty="0">
                 <a:latin typeface="+mn-lt"/>
               </a:rPr>
-              <a:t>Draft</a:t>
+              <a:t>Divide</a:t>
             </a:r>
             <a:endParaRPr lang="ru-RU" dirty="0">
               <a:latin typeface="+mn-lt"/>
@@ -2075,10 +4057,82 @@
           </a:p>
         </p:txBody>
       </p:sp>
+      <p:pic>
+        <p:nvPicPr>
+          <p:cNvPr id="4" name="Picture 3">
+            <a:extLst>
+              <a:ext uri="{FF2B5EF4-FFF2-40B4-BE49-F238E27FC236}">
+                <a16:creationId xmlns:a16="http://schemas.microsoft.com/office/drawing/2014/main" id="{0E463D55-FB35-6B21-32B9-5B2F10C32C03}"/>
+              </a:ext>
+            </a:extLst>
+          </p:cNvPr>
+          <p:cNvPicPr>
+            <a:picLocks noChangeAspect="1"/>
+          </p:cNvPicPr>
+          <p:nvPr/>
+        </p:nvPicPr>
+        <p:blipFill>
+          <a:blip r:embed="rId3">
+            <a:extLst>
+              <a:ext uri="{28A0092B-C50C-407E-A947-70E740481C1C}">
+                <a14:useLocalDpi xmlns:a14="http://schemas.microsoft.com/office/drawing/2010/main" val="0"/>
+              </a:ext>
+            </a:extLst>
+          </a:blip>
+          <a:stretch>
+            <a:fillRect/>
+          </a:stretch>
+        </p:blipFill>
+        <p:spPr>
+          <a:xfrm>
+            <a:off x="1118234" y="1455334"/>
+            <a:ext cx="9309100" cy="2753942"/>
+          </a:xfrm>
+          <a:prstGeom prst="rect">
+            <a:avLst/>
+          </a:prstGeom>
+        </p:spPr>
+      </p:pic>
+      <p:pic>
+        <p:nvPicPr>
+          <p:cNvPr id="6" name="Picture 5">
+            <a:extLst>
+              <a:ext uri="{FF2B5EF4-FFF2-40B4-BE49-F238E27FC236}">
+                <a16:creationId xmlns:a16="http://schemas.microsoft.com/office/drawing/2014/main" id="{6D24F1F9-A9CA-E64C-D9A4-61166321EB9B}"/>
+              </a:ext>
+            </a:extLst>
+          </p:cNvPr>
+          <p:cNvPicPr>
+            <a:picLocks noChangeAspect="1"/>
+          </p:cNvPicPr>
+          <p:nvPr/>
+        </p:nvPicPr>
+        <p:blipFill>
+          <a:blip r:embed="rId4">
+            <a:extLst>
+              <a:ext uri="{28A0092B-C50C-407E-A947-70E740481C1C}">
+                <a14:useLocalDpi xmlns:a14="http://schemas.microsoft.com/office/drawing/2010/main" val="0"/>
+              </a:ext>
+            </a:extLst>
+          </a:blip>
+          <a:stretch>
+            <a:fillRect/>
+          </a:stretch>
+        </p:blipFill>
+        <p:spPr>
+          <a:xfrm>
+            <a:off x="1118234" y="4209276"/>
+            <a:ext cx="4865688" cy="1730384"/>
+          </a:xfrm>
+          <a:prstGeom prst="rect">
+            <a:avLst/>
+          </a:prstGeom>
+        </p:spPr>
+      </p:pic>
     </p:spTree>
     <p:extLst>
       <p:ext uri="{BB962C8B-B14F-4D97-AF65-F5344CB8AC3E}">
-        <p14:creationId xmlns:p14="http://schemas.microsoft.com/office/powerpoint/2010/main" val="1181156110"/>
+        <p14:creationId xmlns:p14="http://schemas.microsoft.com/office/powerpoint/2010/main" val="1204459000"/>
       </p:ext>
     </p:extLst>
   </p:cSld>
@@ -2108,100 +4162,755 @@
       </p:grpSpPr>
       <p:sp>
         <p:nvSpPr>
-          <p:cNvPr id="4" name="Текст 3"/>
+          <p:cNvPr id="2" name="Text Placeholder 1">
+            <a:extLst>
+              <a:ext uri="{FF2B5EF4-FFF2-40B4-BE49-F238E27FC236}">
+                <a16:creationId xmlns:a16="http://schemas.microsoft.com/office/drawing/2014/main" id="{EE1642DD-3082-0146-B8C3-B7E8C1DFCC6A}"/>
+              </a:ext>
+            </a:extLst>
+          </p:cNvPr>
           <p:cNvSpPr>
             <a:spLocks noGrp="1"/>
           </p:cNvSpPr>
           <p:nvPr>
-            <p:ph type="body" sz="quarter" idx="10"/>
+            <p:ph type="body" sz="quarter" idx="13"/>
           </p:nvPr>
         </p:nvSpPr>
+        <p:spPr/>
+        <p:txBody>
+          <a:bodyPr>
+            <a:normAutofit fontScale="92500" lnSpcReduction="20000"/>
+          </a:bodyPr>
+          <a:lstStyle/>
+          <a:p>
+            <a:r>
+              <a:rPr lang="en-US" dirty="0">
+                <a:latin typeface="+mn-lt"/>
+              </a:rPr>
+              <a:t>Conquer</a:t>
+            </a:r>
+            <a:endParaRPr lang="ru-RU" dirty="0">
+              <a:latin typeface="+mn-lt"/>
+            </a:endParaRPr>
+          </a:p>
+        </p:txBody>
+      </p:sp>
+      <p:pic>
+        <p:nvPicPr>
+          <p:cNvPr id="10" name="Picture 9">
+            <a:extLst>
+              <a:ext uri="{FF2B5EF4-FFF2-40B4-BE49-F238E27FC236}">
+                <a16:creationId xmlns:a16="http://schemas.microsoft.com/office/drawing/2014/main" id="{AA75694D-A970-1BEC-BA4B-2C0AEFC04FD2}"/>
+              </a:ext>
+            </a:extLst>
+          </p:cNvPr>
+          <p:cNvPicPr>
+            <a:picLocks noChangeAspect="1"/>
+          </p:cNvPicPr>
+          <p:nvPr/>
+        </p:nvPicPr>
+        <p:blipFill>
+          <a:blip r:embed="rId3">
+            <a:extLst>
+              <a:ext uri="{28A0092B-C50C-407E-A947-70E740481C1C}">
+                <a14:useLocalDpi xmlns:a14="http://schemas.microsoft.com/office/drawing/2010/main" val="0"/>
+              </a:ext>
+            </a:extLst>
+          </a:blip>
+          <a:stretch>
+            <a:fillRect/>
+          </a:stretch>
+        </p:blipFill>
         <p:spPr>
           <a:xfrm>
-            <a:off x="544424" y="3019795"/>
-            <a:ext cx="10401872" cy="3143501"/>
+            <a:off x="1120774" y="1401186"/>
+            <a:ext cx="9726295" cy="4588233"/>
           </a:xfrm>
-          <a:effectLst>
-            <a:softEdge rad="0"/>
-          </a:effectLst>
-          <a:scene3d>
-            <a:camera prst="orthographicFront">
-              <a:rot lat="0" lon="0" rev="0"/>
-            </a:camera>
-            <a:lightRig rig="threePt" dir="t"/>
-          </a:scene3d>
-          <a:sp3d/>
+          <a:prstGeom prst="rect">
+            <a:avLst/>
+          </a:prstGeom>
         </p:spPr>
-        <p:txBody>
-          <a:bodyPr/>
-          <a:lstStyle/>
-          <a:p>
-            <a:r>
-              <a:rPr lang="en-US" sz="2000" dirty="0">
-                <a:latin typeface="Helvetica" pitchFamily="2" charset="0"/>
-              </a:rPr>
-              <a:t>Project presentation</a:t>
-            </a:r>
-            <a:endParaRPr lang="ru-RU" sz="2000" dirty="0">
-              <a:latin typeface="Helvetica" pitchFamily="2" charset="0"/>
-            </a:endParaRPr>
-          </a:p>
-          <a:p>
-            <a:r>
-              <a:rPr lang="en-GB" dirty="0"/>
-              <a:t>A Divide and Conquer Method for the Symmetric Tridiagonal Eigenproblem</a:t>
-            </a:r>
-          </a:p>
-          <a:p>
-            <a:endParaRPr lang="ru-RU" sz="2400" dirty="0">
-              <a:latin typeface="Helvetica" pitchFamily="2" charset="0"/>
-            </a:endParaRPr>
-          </a:p>
-          <a:p>
-            <a:r>
-              <a:rPr lang="en-US" sz="2400" dirty="0"/>
-              <a:t>Konstantin </a:t>
-            </a:r>
-            <a:r>
-              <a:rPr lang="en-US" sz="2400" dirty="0" err="1"/>
-              <a:t>Leladze</a:t>
-            </a:r>
-            <a:endParaRPr lang="ru-RU" sz="2400" dirty="0">
-              <a:latin typeface="Helvetica" pitchFamily="2" charset="0"/>
-            </a:endParaRPr>
-          </a:p>
-          <a:p>
-            <a:r>
-              <a:rPr lang="en-US" sz="1600" dirty="0">
-                <a:latin typeface="Helvetica" pitchFamily="2" charset="0"/>
-              </a:rPr>
-              <a:t>HSE</a:t>
-            </a:r>
-            <a:r>
-              <a:rPr lang="ru-RU" sz="1600" dirty="0">
-                <a:latin typeface="Helvetica" pitchFamily="2" charset="0"/>
-              </a:rPr>
-              <a:t> 202</a:t>
-            </a:r>
-            <a:r>
-              <a:rPr lang="en-US" sz="1600" dirty="0"/>
-              <a:t>2</a:t>
-            </a:r>
-            <a:endParaRPr lang="ru-RU" sz="1600" dirty="0">
-              <a:latin typeface="Helvetica" pitchFamily="2" charset="0"/>
-            </a:endParaRPr>
-          </a:p>
-          <a:p>
-            <a:endParaRPr lang="ru-RU" sz="3600" dirty="0">
-              <a:latin typeface="Helvetica" pitchFamily="2" charset="0"/>
-            </a:endParaRPr>
-          </a:p>
-        </p:txBody>
-      </p:sp>
+      </p:pic>
     </p:spTree>
     <p:extLst>
       <p:ext uri="{BB962C8B-B14F-4D97-AF65-F5344CB8AC3E}">
-        <p14:creationId xmlns:p14="http://schemas.microsoft.com/office/powerpoint/2010/main" val="2677633850"/>
+        <p14:creationId xmlns:p14="http://schemas.microsoft.com/office/powerpoint/2010/main" val="1517302879"/>
+      </p:ext>
+    </p:extLst>
+  </p:cSld>
+  <p:clrMapOvr>
+    <a:masterClrMapping/>
+  </p:clrMapOvr>
+  <p:transition spd="med"/>
+</p:sld>
+</file>
+
+<file path=ppt/slides/slide5.xml><?xml version="1.0" encoding="utf-8"?>
+<p:sld xmlns:a="http://schemas.openxmlformats.org/drawingml/2006/main" xmlns:r="http://schemas.openxmlformats.org/officeDocument/2006/relationships" xmlns:p="http://schemas.openxmlformats.org/presentationml/2006/main">
+  <p:cSld>
+    <p:spTree>
+      <p:nvGrpSpPr>
+        <p:cNvPr id="1" name=""/>
+        <p:cNvGrpSpPr/>
+        <p:nvPr/>
+      </p:nvGrpSpPr>
+      <p:grpSpPr>
+        <a:xfrm>
+          <a:off x="0" y="0"/>
+          <a:ext cx="0" cy="0"/>
+          <a:chOff x="0" y="0"/>
+          <a:chExt cx="0" cy="0"/>
+        </a:xfrm>
+      </p:grpSpPr>
+      <p:sp>
+        <p:nvSpPr>
+          <p:cNvPr id="2" name="Text Placeholder 1">
+            <a:extLst>
+              <a:ext uri="{FF2B5EF4-FFF2-40B4-BE49-F238E27FC236}">
+                <a16:creationId xmlns:a16="http://schemas.microsoft.com/office/drawing/2014/main" id="{EE1642DD-3082-0146-B8C3-B7E8C1DFCC6A}"/>
+              </a:ext>
+            </a:extLst>
+          </p:cNvPr>
+          <p:cNvSpPr>
+            <a:spLocks noGrp="1"/>
+          </p:cNvSpPr>
+          <p:nvPr>
+            <p:ph type="body" sz="quarter" idx="13"/>
+          </p:nvPr>
+        </p:nvSpPr>
+        <p:spPr/>
+        <p:txBody>
+          <a:bodyPr>
+            <a:normAutofit fontScale="92500" lnSpcReduction="20000"/>
+          </a:bodyPr>
+          <a:lstStyle/>
+          <a:p>
+            <a:r>
+              <a:rPr lang="en-US" dirty="0">
+                <a:latin typeface="+mn-lt"/>
+              </a:rPr>
+              <a:t>Conquer</a:t>
+            </a:r>
+            <a:endParaRPr lang="ru-RU" dirty="0">
+              <a:latin typeface="+mn-lt"/>
+            </a:endParaRPr>
+          </a:p>
+        </p:txBody>
+      </p:sp>
+      <p:pic>
+        <p:nvPicPr>
+          <p:cNvPr id="11" name="Picture 10">
+            <a:extLst>
+              <a:ext uri="{FF2B5EF4-FFF2-40B4-BE49-F238E27FC236}">
+                <a16:creationId xmlns:a16="http://schemas.microsoft.com/office/drawing/2014/main" id="{4A67677D-4284-49E2-BCEE-423F23275F3E}"/>
+              </a:ext>
+            </a:extLst>
+          </p:cNvPr>
+          <p:cNvPicPr>
+            <a:picLocks noChangeAspect="1"/>
+          </p:cNvPicPr>
+          <p:nvPr/>
+        </p:nvPicPr>
+        <p:blipFill>
+          <a:blip r:embed="rId3">
+            <a:extLst>
+              <a:ext uri="{28A0092B-C50C-407E-A947-70E740481C1C}">
+                <a14:useLocalDpi xmlns:a14="http://schemas.microsoft.com/office/drawing/2010/main" val="0"/>
+              </a:ext>
+            </a:extLst>
+          </a:blip>
+          <a:stretch>
+            <a:fillRect/>
+          </a:stretch>
+        </p:blipFill>
+        <p:spPr>
+          <a:xfrm>
+            <a:off x="1120775" y="1421819"/>
+            <a:ext cx="7832725" cy="5080687"/>
+          </a:xfrm>
+          <a:prstGeom prst="rect">
+            <a:avLst/>
+          </a:prstGeom>
+        </p:spPr>
+      </p:pic>
+    </p:spTree>
+    <p:extLst>
+      <p:ext uri="{BB962C8B-B14F-4D97-AF65-F5344CB8AC3E}">
+        <p14:creationId xmlns:p14="http://schemas.microsoft.com/office/powerpoint/2010/main" val="702128125"/>
+      </p:ext>
+    </p:extLst>
+  </p:cSld>
+  <p:clrMapOvr>
+    <a:masterClrMapping/>
+  </p:clrMapOvr>
+  <p:transition spd="med"/>
+</p:sld>
+</file>
+
+<file path=ppt/slides/slide6.xml><?xml version="1.0" encoding="utf-8"?>
+<p:sld xmlns:a="http://schemas.openxmlformats.org/drawingml/2006/main" xmlns:r="http://schemas.openxmlformats.org/officeDocument/2006/relationships" xmlns:p="http://schemas.openxmlformats.org/presentationml/2006/main">
+  <p:cSld>
+    <p:spTree>
+      <p:nvGrpSpPr>
+        <p:cNvPr id="1" name=""/>
+        <p:cNvGrpSpPr/>
+        <p:nvPr/>
+      </p:nvGrpSpPr>
+      <p:grpSpPr>
+        <a:xfrm>
+          <a:off x="0" y="0"/>
+          <a:ext cx="0" cy="0"/>
+          <a:chOff x="0" y="0"/>
+          <a:chExt cx="0" cy="0"/>
+        </a:xfrm>
+      </p:grpSpPr>
+      <p:sp>
+        <p:nvSpPr>
+          <p:cNvPr id="2" name="Text Placeholder 1">
+            <a:extLst>
+              <a:ext uri="{FF2B5EF4-FFF2-40B4-BE49-F238E27FC236}">
+                <a16:creationId xmlns:a16="http://schemas.microsoft.com/office/drawing/2014/main" id="{EE1642DD-3082-0146-B8C3-B7E8C1DFCC6A}"/>
+              </a:ext>
+            </a:extLst>
+          </p:cNvPr>
+          <p:cNvSpPr>
+            <a:spLocks noGrp="1"/>
+          </p:cNvSpPr>
+          <p:nvPr>
+            <p:ph type="body" sz="quarter" idx="13"/>
+          </p:nvPr>
+        </p:nvSpPr>
+        <p:spPr/>
+        <p:txBody>
+          <a:bodyPr>
+            <a:normAutofit fontScale="92500" lnSpcReduction="20000"/>
+          </a:bodyPr>
+          <a:lstStyle/>
+          <a:p>
+            <a:r>
+              <a:rPr lang="en-US" dirty="0">
+                <a:latin typeface="+mn-lt"/>
+              </a:rPr>
+              <a:t>Solving the equation</a:t>
+            </a:r>
+            <a:endParaRPr lang="ru-RU" dirty="0">
+              <a:latin typeface="+mn-lt"/>
+            </a:endParaRPr>
+          </a:p>
+        </p:txBody>
+      </p:sp>
+      <p:pic>
+        <p:nvPicPr>
+          <p:cNvPr id="4" name="Picture 3">
+            <a:extLst>
+              <a:ext uri="{FF2B5EF4-FFF2-40B4-BE49-F238E27FC236}">
+                <a16:creationId xmlns:a16="http://schemas.microsoft.com/office/drawing/2014/main" id="{481AA66B-7458-D905-AA56-65F281D1AFA4}"/>
+              </a:ext>
+            </a:extLst>
+          </p:cNvPr>
+          <p:cNvPicPr>
+            <a:picLocks noChangeAspect="1"/>
+          </p:cNvPicPr>
+          <p:nvPr/>
+        </p:nvPicPr>
+        <p:blipFill>
+          <a:blip r:embed="rId3">
+            <a:extLst>
+              <a:ext uri="{28A0092B-C50C-407E-A947-70E740481C1C}">
+                <a14:useLocalDpi xmlns:a14="http://schemas.microsoft.com/office/drawing/2010/main" val="0"/>
+              </a:ext>
+            </a:extLst>
+          </a:blip>
+          <a:stretch>
+            <a:fillRect/>
+          </a:stretch>
+        </p:blipFill>
+        <p:spPr>
+          <a:xfrm>
+            <a:off x="3097526" y="1449792"/>
+            <a:ext cx="5996948" cy="4859462"/>
+          </a:xfrm>
+          <a:prstGeom prst="rect">
+            <a:avLst/>
+          </a:prstGeom>
+        </p:spPr>
+      </p:pic>
+    </p:spTree>
+    <p:extLst>
+      <p:ext uri="{BB962C8B-B14F-4D97-AF65-F5344CB8AC3E}">
+        <p14:creationId xmlns:p14="http://schemas.microsoft.com/office/powerpoint/2010/main" val="2492779942"/>
+      </p:ext>
+    </p:extLst>
+  </p:cSld>
+  <p:clrMapOvr>
+    <a:masterClrMapping/>
+  </p:clrMapOvr>
+  <p:transition spd="med"/>
+</p:sld>
+</file>
+
+<file path=ppt/slides/slide7.xml><?xml version="1.0" encoding="utf-8"?>
+<p:sld xmlns:a="http://schemas.openxmlformats.org/drawingml/2006/main" xmlns:r="http://schemas.openxmlformats.org/officeDocument/2006/relationships" xmlns:p="http://schemas.openxmlformats.org/presentationml/2006/main">
+  <p:cSld>
+    <p:spTree>
+      <p:nvGrpSpPr>
+        <p:cNvPr id="1" name=""/>
+        <p:cNvGrpSpPr/>
+        <p:nvPr/>
+      </p:nvGrpSpPr>
+      <p:grpSpPr>
+        <a:xfrm>
+          <a:off x="0" y="0"/>
+          <a:ext cx="0" cy="0"/>
+          <a:chOff x="0" y="0"/>
+          <a:chExt cx="0" cy="0"/>
+        </a:xfrm>
+      </p:grpSpPr>
+      <p:sp>
+        <p:nvSpPr>
+          <p:cNvPr id="2" name="Text Placeholder 1">
+            <a:extLst>
+              <a:ext uri="{FF2B5EF4-FFF2-40B4-BE49-F238E27FC236}">
+                <a16:creationId xmlns:a16="http://schemas.microsoft.com/office/drawing/2014/main" id="{EE1642DD-3082-0146-B8C3-B7E8C1DFCC6A}"/>
+              </a:ext>
+            </a:extLst>
+          </p:cNvPr>
+          <p:cNvSpPr>
+            <a:spLocks noGrp="1"/>
+          </p:cNvSpPr>
+          <p:nvPr>
+            <p:ph type="body" sz="quarter" idx="13"/>
+          </p:nvPr>
+        </p:nvSpPr>
+        <p:spPr/>
+        <p:txBody>
+          <a:bodyPr>
+            <a:normAutofit fontScale="92500" lnSpcReduction="20000"/>
+          </a:bodyPr>
+          <a:lstStyle/>
+          <a:p>
+            <a:r>
+              <a:rPr lang="en-US" dirty="0">
+                <a:latin typeface="+mn-lt"/>
+              </a:rPr>
+              <a:t>Obtaining the eigen vectors</a:t>
+            </a:r>
+            <a:endParaRPr lang="ru-RU" dirty="0">
+              <a:latin typeface="+mn-lt"/>
+            </a:endParaRPr>
+          </a:p>
+        </p:txBody>
+      </p:sp>
+      <p:pic>
+        <p:nvPicPr>
+          <p:cNvPr id="5" name="Picture 4">
+            <a:extLst>
+              <a:ext uri="{FF2B5EF4-FFF2-40B4-BE49-F238E27FC236}">
+                <a16:creationId xmlns:a16="http://schemas.microsoft.com/office/drawing/2014/main" id="{79F3061A-DD99-41A0-A55B-58258744B695}"/>
+              </a:ext>
+            </a:extLst>
+          </p:cNvPr>
+          <p:cNvPicPr>
+            <a:picLocks noChangeAspect="1"/>
+          </p:cNvPicPr>
+          <p:nvPr/>
+        </p:nvPicPr>
+        <p:blipFill>
+          <a:blip r:embed="rId3">
+            <a:extLst>
+              <a:ext uri="{28A0092B-C50C-407E-A947-70E740481C1C}">
+                <a14:useLocalDpi xmlns:a14="http://schemas.microsoft.com/office/drawing/2010/main" val="0"/>
+              </a:ext>
+            </a:extLst>
+          </a:blip>
+          <a:stretch>
+            <a:fillRect/>
+          </a:stretch>
+        </p:blipFill>
+        <p:spPr>
+          <a:xfrm>
+            <a:off x="1120775" y="1622954"/>
+            <a:ext cx="4584608" cy="4686300"/>
+          </a:xfrm>
+          <a:prstGeom prst="rect">
+            <a:avLst/>
+          </a:prstGeom>
+        </p:spPr>
+      </p:pic>
+      <p:pic>
+        <p:nvPicPr>
+          <p:cNvPr id="7" name="Picture 6">
+            <a:extLst>
+              <a:ext uri="{FF2B5EF4-FFF2-40B4-BE49-F238E27FC236}">
+                <a16:creationId xmlns:a16="http://schemas.microsoft.com/office/drawing/2014/main" id="{BCDBD025-C46C-5D02-23A3-369DB640ECDB}"/>
+              </a:ext>
+            </a:extLst>
+          </p:cNvPr>
+          <p:cNvPicPr>
+            <a:picLocks noChangeAspect="1"/>
+          </p:cNvPicPr>
+          <p:nvPr/>
+        </p:nvPicPr>
+        <p:blipFill>
+          <a:blip r:embed="rId4">
+            <a:extLst>
+              <a:ext uri="{28A0092B-C50C-407E-A947-70E740481C1C}">
+                <a14:useLocalDpi xmlns:a14="http://schemas.microsoft.com/office/drawing/2010/main" val="0"/>
+              </a:ext>
+            </a:extLst>
+          </a:blip>
+          <a:stretch>
+            <a:fillRect/>
+          </a:stretch>
+        </p:blipFill>
+        <p:spPr>
+          <a:xfrm>
+            <a:off x="6985000" y="3429000"/>
+            <a:ext cx="3295650" cy="1476285"/>
+          </a:xfrm>
+          <a:prstGeom prst="rect">
+            <a:avLst/>
+          </a:prstGeom>
+        </p:spPr>
+      </p:pic>
+      <p:cxnSp>
+        <p:nvCxnSpPr>
+          <p:cNvPr id="9" name="Straight Arrow Connector 8">
+            <a:extLst>
+              <a:ext uri="{FF2B5EF4-FFF2-40B4-BE49-F238E27FC236}">
+                <a16:creationId xmlns:a16="http://schemas.microsoft.com/office/drawing/2014/main" id="{BB437340-E4F3-1D3C-6B60-6F0F57A1CCED}"/>
+              </a:ext>
+            </a:extLst>
+          </p:cNvPr>
+          <p:cNvCxnSpPr/>
+          <p:nvPr/>
+        </p:nvCxnSpPr>
+        <p:spPr>
+          <a:xfrm>
+            <a:off x="5705383" y="2590800"/>
+            <a:ext cx="1279617" cy="1143000"/>
+          </a:xfrm>
+          <a:prstGeom prst="straightConnector1">
+            <a:avLst/>
+          </a:prstGeom>
+          <a:ln>
+            <a:tailEnd type="triangle"/>
+          </a:ln>
+        </p:spPr>
+        <p:style>
+          <a:lnRef idx="1">
+            <a:schemeClr val="dk1"/>
+          </a:lnRef>
+          <a:fillRef idx="0">
+            <a:schemeClr val="dk1"/>
+          </a:fillRef>
+          <a:effectRef idx="0">
+            <a:schemeClr val="dk1"/>
+          </a:effectRef>
+          <a:fontRef idx="minor">
+            <a:schemeClr val="tx1"/>
+          </a:fontRef>
+        </p:style>
+      </p:cxnSp>
+      <p:cxnSp>
+        <p:nvCxnSpPr>
+          <p:cNvPr id="11" name="Straight Arrow Connector 10">
+            <a:extLst>
+              <a:ext uri="{FF2B5EF4-FFF2-40B4-BE49-F238E27FC236}">
+                <a16:creationId xmlns:a16="http://schemas.microsoft.com/office/drawing/2014/main" id="{8D135F24-968D-24C3-CBCD-06014A7F39F6}"/>
+              </a:ext>
+            </a:extLst>
+          </p:cNvPr>
+          <p:cNvCxnSpPr>
+            <a:endCxn id="7" idx="1"/>
+          </p:cNvCxnSpPr>
+          <p:nvPr/>
+        </p:nvCxnSpPr>
+        <p:spPr>
+          <a:xfrm flipV="1">
+            <a:off x="5245100" y="4167143"/>
+            <a:ext cx="1739900" cy="176257"/>
+          </a:xfrm>
+          <a:prstGeom prst="straightConnector1">
+            <a:avLst/>
+          </a:prstGeom>
+          <a:ln>
+            <a:tailEnd type="triangle"/>
+          </a:ln>
+        </p:spPr>
+        <p:style>
+          <a:lnRef idx="1">
+            <a:schemeClr val="dk1"/>
+          </a:lnRef>
+          <a:fillRef idx="0">
+            <a:schemeClr val="dk1"/>
+          </a:fillRef>
+          <a:effectRef idx="0">
+            <a:schemeClr val="dk1"/>
+          </a:effectRef>
+          <a:fontRef idx="minor">
+            <a:schemeClr val="tx1"/>
+          </a:fontRef>
+        </p:style>
+      </p:cxnSp>
+      <p:cxnSp>
+        <p:nvCxnSpPr>
+          <p:cNvPr id="13" name="Straight Arrow Connector 12">
+            <a:extLst>
+              <a:ext uri="{FF2B5EF4-FFF2-40B4-BE49-F238E27FC236}">
+                <a16:creationId xmlns:a16="http://schemas.microsoft.com/office/drawing/2014/main" id="{10112EEE-AAF3-4E1E-C208-8C2DCB300C3E}"/>
+              </a:ext>
+            </a:extLst>
+          </p:cNvPr>
+          <p:cNvCxnSpPr/>
+          <p:nvPr/>
+        </p:nvCxnSpPr>
+        <p:spPr>
+          <a:xfrm flipV="1">
+            <a:off x="4775200" y="4660900"/>
+            <a:ext cx="2349500" cy="965200"/>
+          </a:xfrm>
+          <a:prstGeom prst="straightConnector1">
+            <a:avLst/>
+          </a:prstGeom>
+          <a:ln>
+            <a:tailEnd type="triangle"/>
+          </a:ln>
+        </p:spPr>
+        <p:style>
+          <a:lnRef idx="1">
+            <a:schemeClr val="dk1"/>
+          </a:lnRef>
+          <a:fillRef idx="0">
+            <a:schemeClr val="dk1"/>
+          </a:fillRef>
+          <a:effectRef idx="0">
+            <a:schemeClr val="dk1"/>
+          </a:effectRef>
+          <a:fontRef idx="minor">
+            <a:schemeClr val="tx1"/>
+          </a:fontRef>
+        </p:style>
+      </p:cxnSp>
+    </p:spTree>
+    <p:extLst>
+      <p:ext uri="{BB962C8B-B14F-4D97-AF65-F5344CB8AC3E}">
+        <p14:creationId xmlns:p14="http://schemas.microsoft.com/office/powerpoint/2010/main" val="2681328247"/>
+      </p:ext>
+    </p:extLst>
+  </p:cSld>
+  <p:clrMapOvr>
+    <a:masterClrMapping/>
+  </p:clrMapOvr>
+  <p:transition spd="med"/>
+</p:sld>
+</file>
+
+<file path=ppt/slides/slide8.xml><?xml version="1.0" encoding="utf-8"?>
+<p:sld xmlns:a="http://schemas.openxmlformats.org/drawingml/2006/main" xmlns:r="http://schemas.openxmlformats.org/officeDocument/2006/relationships" xmlns:p="http://schemas.openxmlformats.org/presentationml/2006/main">
+  <p:cSld>
+    <p:spTree>
+      <p:nvGrpSpPr>
+        <p:cNvPr id="1" name=""/>
+        <p:cNvGrpSpPr/>
+        <p:nvPr/>
+      </p:nvGrpSpPr>
+      <p:grpSpPr>
+        <a:xfrm>
+          <a:off x="0" y="0"/>
+          <a:ext cx="0" cy="0"/>
+          <a:chOff x="0" y="0"/>
+          <a:chExt cx="0" cy="0"/>
+        </a:xfrm>
+      </p:grpSpPr>
+      <p:sp>
+        <p:nvSpPr>
+          <p:cNvPr id="2" name="Text Placeholder 1">
+            <a:extLst>
+              <a:ext uri="{FF2B5EF4-FFF2-40B4-BE49-F238E27FC236}">
+                <a16:creationId xmlns:a16="http://schemas.microsoft.com/office/drawing/2014/main" id="{EE1642DD-3082-0146-B8C3-B7E8C1DFCC6A}"/>
+              </a:ext>
+            </a:extLst>
+          </p:cNvPr>
+          <p:cNvSpPr>
+            <a:spLocks noGrp="1"/>
+          </p:cNvSpPr>
+          <p:nvPr>
+            <p:ph type="body" sz="quarter" idx="13"/>
+          </p:nvPr>
+        </p:nvSpPr>
+        <p:spPr/>
+        <p:txBody>
+          <a:bodyPr>
+            <a:normAutofit fontScale="92500" lnSpcReduction="20000"/>
+          </a:bodyPr>
+          <a:lstStyle/>
+          <a:p>
+            <a:r>
+              <a:rPr lang="en-US" dirty="0">
+                <a:latin typeface="+mn-lt"/>
+              </a:rPr>
+              <a:t>Multithread implementation</a:t>
+            </a:r>
+            <a:endParaRPr lang="ru-RU" dirty="0">
+              <a:latin typeface="+mn-lt"/>
+            </a:endParaRPr>
+          </a:p>
+        </p:txBody>
+      </p:sp>
+      <p:pic>
+        <p:nvPicPr>
+          <p:cNvPr id="7170" name="Picture 2">
+            <a:extLst>
+              <a:ext uri="{FF2B5EF4-FFF2-40B4-BE49-F238E27FC236}">
+                <a16:creationId xmlns:a16="http://schemas.microsoft.com/office/drawing/2014/main" id="{D612AD0C-3EC1-4D61-AA72-1EC801A8B981}"/>
+              </a:ext>
+            </a:extLst>
+          </p:cNvPr>
+          <p:cNvPicPr>
+            <a:picLocks noChangeAspect="1" noChangeArrowheads="1"/>
+          </p:cNvPicPr>
+          <p:nvPr/>
+        </p:nvPicPr>
+        <p:blipFill>
+          <a:blip r:embed="rId3">
+            <a:extLst>
+              <a:ext uri="{28A0092B-C50C-407E-A947-70E740481C1C}">
+                <a14:useLocalDpi xmlns:a14="http://schemas.microsoft.com/office/drawing/2010/main" val="0"/>
+              </a:ext>
+            </a:extLst>
+          </a:blip>
+          <a:srcRect/>
+          <a:stretch>
+            <a:fillRect/>
+          </a:stretch>
+        </p:blipFill>
+        <p:spPr bwMode="auto">
+          <a:xfrm>
+            <a:off x="3587144" y="1381654"/>
+            <a:ext cx="5017712" cy="4927600"/>
+          </a:xfrm>
+          <a:prstGeom prst="rect">
+            <a:avLst/>
+          </a:prstGeom>
+          <a:noFill/>
+          <a:extLst>
+            <a:ext uri="{909E8E84-426E-40DD-AFC4-6F175D3DCCD1}">
+              <a14:hiddenFill xmlns:a14="http://schemas.microsoft.com/office/drawing/2010/main">
+                <a:solidFill>
+                  <a:srgbClr val="FFFFFF"/>
+                </a:solidFill>
+              </a14:hiddenFill>
+            </a:ext>
+          </a:extLst>
+        </p:spPr>
+      </p:pic>
+    </p:spTree>
+    <p:extLst>
+      <p:ext uri="{BB962C8B-B14F-4D97-AF65-F5344CB8AC3E}">
+        <p14:creationId xmlns:p14="http://schemas.microsoft.com/office/powerpoint/2010/main" val="836406054"/>
+      </p:ext>
+    </p:extLst>
+  </p:cSld>
+  <p:clrMapOvr>
+    <a:masterClrMapping/>
+  </p:clrMapOvr>
+  <p:transition spd="med"/>
+</p:sld>
+</file>
+
+<file path=ppt/slides/slide9.xml><?xml version="1.0" encoding="utf-8"?>
+<p:sld xmlns:a="http://schemas.openxmlformats.org/drawingml/2006/main" xmlns:r="http://schemas.openxmlformats.org/officeDocument/2006/relationships" xmlns:p="http://schemas.openxmlformats.org/presentationml/2006/main">
+  <p:cSld>
+    <p:spTree>
+      <p:nvGrpSpPr>
+        <p:cNvPr id="1" name=""/>
+        <p:cNvGrpSpPr/>
+        <p:nvPr/>
+      </p:nvGrpSpPr>
+      <p:grpSpPr>
+        <a:xfrm>
+          <a:off x="0" y="0"/>
+          <a:ext cx="0" cy="0"/>
+          <a:chOff x="0" y="0"/>
+          <a:chExt cx="0" cy="0"/>
+        </a:xfrm>
+      </p:grpSpPr>
+      <p:sp>
+        <p:nvSpPr>
+          <p:cNvPr id="2" name="Text Placeholder 1">
+            <a:extLst>
+              <a:ext uri="{FF2B5EF4-FFF2-40B4-BE49-F238E27FC236}">
+                <a16:creationId xmlns:a16="http://schemas.microsoft.com/office/drawing/2014/main" id="{EE1642DD-3082-0146-B8C3-B7E8C1DFCC6A}"/>
+              </a:ext>
+            </a:extLst>
+          </p:cNvPr>
+          <p:cNvSpPr>
+            <a:spLocks noGrp="1"/>
+          </p:cNvSpPr>
+          <p:nvPr>
+            <p:ph type="body" sz="quarter" idx="13"/>
+          </p:nvPr>
+        </p:nvSpPr>
+        <p:spPr/>
+        <p:txBody>
+          <a:bodyPr>
+            <a:normAutofit fontScale="92500" lnSpcReduction="20000"/>
+          </a:bodyPr>
+          <a:lstStyle/>
+          <a:p>
+            <a:r>
+              <a:rPr lang="en-US" dirty="0">
+                <a:latin typeface="+mn-lt"/>
+              </a:rPr>
+              <a:t>Performance</a:t>
+            </a:r>
+            <a:endParaRPr lang="ru-RU" dirty="0">
+              <a:latin typeface="+mn-lt"/>
+            </a:endParaRPr>
+          </a:p>
+        </p:txBody>
+      </p:sp>
+      <p:pic>
+        <p:nvPicPr>
+          <p:cNvPr id="6" name="Picture 5">
+            <a:extLst>
+              <a:ext uri="{FF2B5EF4-FFF2-40B4-BE49-F238E27FC236}">
+                <a16:creationId xmlns:a16="http://schemas.microsoft.com/office/drawing/2014/main" id="{E7351091-9AAF-0C90-56C9-E0C598FA37F6}"/>
+              </a:ext>
+            </a:extLst>
+          </p:cNvPr>
+          <p:cNvPicPr>
+            <a:picLocks noChangeAspect="1"/>
+          </p:cNvPicPr>
+          <p:nvPr/>
+        </p:nvPicPr>
+        <p:blipFill>
+          <a:blip r:embed="rId3">
+            <a:extLst>
+              <a:ext uri="{28A0092B-C50C-407E-A947-70E740481C1C}">
+                <a14:useLocalDpi xmlns:a14="http://schemas.microsoft.com/office/drawing/2010/main" val="0"/>
+              </a:ext>
+            </a:extLst>
+          </a:blip>
+          <a:stretch>
+            <a:fillRect/>
+          </a:stretch>
+        </p:blipFill>
+        <p:spPr>
+          <a:xfrm>
+            <a:off x="3175000" y="1737014"/>
+            <a:ext cx="5842000" cy="4381500"/>
+          </a:xfrm>
+          <a:prstGeom prst="rect">
+            <a:avLst/>
+          </a:prstGeom>
+        </p:spPr>
+      </p:pic>
+    </p:spTree>
+    <p:extLst>
+      <p:ext uri="{BB962C8B-B14F-4D97-AF65-F5344CB8AC3E}">
+        <p14:creationId xmlns:p14="http://schemas.microsoft.com/office/powerpoint/2010/main" val="4242305834"/>
       </p:ext>
     </p:extLst>
   </p:cSld>
